--- a/INM431-MachineLearning/coursework/poster/template-diabetes.pptx
+++ b/INM431-MachineLearning/coursework/poster/template-diabetes.pptx
@@ -113,6 +113,9 @@
           </p14:sldIdLst>
         </p14:section>
       </p14:sectionLst>
+    </p:ext>
+    <p:ext uri="{EFAFB233-063F-42B5-8137-9DF3F51BA10A}">
+      <p15:sldGuideLst xmlns:p15="http://schemas.microsoft.com/office/powerpoint/2012/main"/>
     </p:ext>
   </p:extLst>
 </p:presentation>
@@ -3021,23 +3024,15 @@
             <a:pPr algn="l"/>
             <a:r>
               <a:rPr lang="en-GB" sz="2800" b="1" dirty="0" smtClean="0"/>
-              <a:t>INM431 Machine Learning coursework - </a:t>
-            </a:r>
-            <a:r>
-              <a:rPr lang="en-GB" sz="2800" b="1" dirty="0"/>
-              <a:t>Daniel Sikar </a:t>
+              <a:t>INM431 </a:t>
             </a:r>
             <a:r>
               <a:rPr lang="en-GB" sz="2800" b="1" dirty="0" smtClean="0"/>
-              <a:t>- </a:t>
-            </a:r>
-            <a:r>
-              <a:rPr lang="en-GB" sz="2800" b="1" dirty="0"/>
-              <a:t>daniel.sikar@city.ac.uk </a:t>
+              <a:t>Machine Learning coursework - </a:t>
             </a:r>
             <a:r>
               <a:rPr lang="en-GB" sz="2800" b="1" dirty="0" smtClean="0"/>
-              <a:t> </a:t>
+              <a:t>daniel.sikar@city.ac.uk  </a:t>
             </a:r>
             <a:endParaRPr lang="en-GB" sz="2800" b="1" dirty="0"/>
           </a:p>
@@ -3145,7 +3140,7 @@
         </p:spPr>
         <p:txBody>
           <a:bodyPr vert="horz" lIns="91440" tIns="45720" rIns="91440" bIns="45720" rtlCol="0" anchor="t">
-            <a:normAutofit/>
+            <a:normAutofit lnSpcReduction="10000"/>
           </a:bodyPr>
           <a:lstStyle>
             <a:lvl1pPr algn="ctr" defTabSz="2138324" rtl="0" eaLnBrk="1" latinLnBrk="0" hangingPunct="1">
@@ -3169,10 +3164,28 @@
           <a:p>
             <a:pPr algn="l"/>
             <a:r>
-              <a:rPr lang="en-GB" sz="4400" b="1" dirty="0" smtClean="0"/>
-              <a:t>TEXT HOLDER</a:t>
-            </a:r>
-            <a:endParaRPr lang="en-GB" sz="4400" b="1" dirty="0"/>
+              <a:rPr lang="en-GB" sz="2400" b="1" dirty="0" smtClean="0"/>
+              <a:t>Description and motivation</a:t>
+            </a:r>
+          </a:p>
+          <a:p>
+            <a:pPr algn="l"/>
+            <a:r>
+              <a:rPr lang="en-GB" sz="1400" b="1" dirty="0"/>
+              <a:t>Studies in Europe and the US have shown the fiscal and social costs of early school leaving, which typically reduces lifetime earnings and leads to higher unemployment incidence and duration, while the benefits of education include gain in net earnings and wealth, improved health status / life expectancy, lower reliance on government health and welfare programs and reduced expenditures on criminal justice [1][2][3].</a:t>
+            </a:r>
+          </a:p>
+          <a:p>
+            <a:pPr algn="l"/>
+            <a:endParaRPr lang="en-GB" sz="1400" b="1" dirty="0"/>
+          </a:p>
+          <a:p>
+            <a:pPr algn="l"/>
+            <a:r>
+              <a:rPr lang="en-GB" sz="1400" b="1" dirty="0"/>
+              <a:t>One important problem is to automatically detect students that are going to do poorly in a course early enough to be able to take remedial actions [4]. A number of Machine Learning algorithms have been used in student grade prediction. We base our study on prior work [5], using &lt;machine learning model 1&gt; and &lt;machine learning model 2&gt; applied to secondary school student performance data.</a:t>
+            </a:r>
+            <a:endParaRPr lang="en-GB" sz="1400" b="1" dirty="0"/>
           </a:p>
         </p:txBody>
       </p:sp>
@@ -3197,7 +3210,7 @@
           </a:solidFill>
         </p:spPr>
         <p:txBody>
-          <a:bodyPr vert="horz" lIns="91440" tIns="45720" rIns="91440" bIns="45720" rtlCol="0" anchor="b">
+          <a:bodyPr vert="horz" lIns="91440" tIns="45720" rIns="91440" bIns="45720" rtlCol="0" anchor="t">
             <a:normAutofit/>
           </a:bodyPr>
           <a:lstStyle>
@@ -3221,10 +3234,10 @@
           </a:lstStyle>
           <a:p>
             <a:r>
-              <a:rPr lang="en-GB" sz="2400" dirty="0" smtClean="0"/>
-              <a:t>IMAGE HOLDER</a:t>
-            </a:r>
-            <a:endParaRPr lang="en-GB" sz="2400" dirty="0"/>
+              <a:rPr lang="en-GB" sz="4000" dirty="0" smtClean="0"/>
+              <a:t>IMAGE stats</a:t>
+            </a:r>
+            <a:endParaRPr lang="en-GB" sz="4000" dirty="0"/>
           </a:p>
         </p:txBody>
       </p:sp>
@@ -3290,8 +3303,8 @@
         </p:nvSpPr>
         <p:spPr>
           <a:xfrm>
-            <a:off x="14349817" y="19058161"/>
-            <a:ext cx="6293126" cy="8030939"/>
+            <a:off x="515257" y="18417953"/>
+            <a:ext cx="20127686" cy="2363541"/>
           </a:xfrm>
           <a:prstGeom prst="rect">
             <a:avLst/>
@@ -3379,7 +3392,7 @@
             <a:pPr algn="l"/>
             <a:r>
               <a:rPr lang="en-GB" sz="4400" b="1" dirty="0" smtClean="0"/>
-              <a:t>TEXT HOLDER</a:t>
+              <a:t>INITIAL ANALYSIS OF DATASET</a:t>
             </a:r>
             <a:endParaRPr lang="en-GB" sz="4400" b="1" dirty="0"/>
           </a:p>
@@ -3432,7 +3445,7 @@
             <a:pPr algn="l"/>
             <a:r>
               <a:rPr lang="en-GB" sz="4400" b="1" dirty="0" smtClean="0"/>
-              <a:t>TEXT HOLDER</a:t>
+              <a:t>NAÏVE BAYES</a:t>
             </a:r>
             <a:endParaRPr lang="en-GB" sz="4400" b="1" dirty="0"/>
           </a:p>
@@ -3485,7 +3498,7 @@
             <a:pPr algn="l"/>
             <a:r>
               <a:rPr lang="en-GB" sz="4400" b="1" dirty="0" smtClean="0"/>
-              <a:t>TEXT HOLDER</a:t>
+              <a:t>RANDOM FOREST</a:t>
             </a:r>
             <a:endParaRPr lang="en-GB" sz="4400" b="1" dirty="0"/>
           </a:p>
@@ -3502,7 +3515,7 @@
         <p:spPr>
           <a:xfrm>
             <a:off x="515258" y="12462547"/>
-            <a:ext cx="11486242" cy="1367753"/>
+            <a:ext cx="10152742" cy="4863882"/>
           </a:xfrm>
           <a:prstGeom prst="rect">
             <a:avLst/>
@@ -3538,7 +3551,257 @@
             <a:pPr algn="l"/>
             <a:r>
               <a:rPr lang="en-GB" sz="4400" b="1" dirty="0" smtClean="0"/>
-              <a:t>TEXT HOLDER</a:t>
+              <a:t>Hypothesis Statement</a:t>
+            </a:r>
+            <a:endParaRPr lang="en-GB" sz="4400" b="1" dirty="0"/>
+          </a:p>
+        </p:txBody>
+      </p:sp>
+      <p:sp>
+        <p:nvSpPr>
+          <p:cNvPr id="13" name="Title 3"/>
+          <p:cNvSpPr txBox="1">
+            <a:spLocks/>
+          </p:cNvSpPr>
+          <p:nvPr/>
+        </p:nvSpPr>
+        <p:spPr>
+          <a:xfrm>
+            <a:off x="515257" y="28374518"/>
+            <a:ext cx="20127686" cy="1438725"/>
+          </a:xfrm>
+          <a:prstGeom prst="rect">
+            <a:avLst/>
+          </a:prstGeom>
+          <a:solidFill>
+            <a:schemeClr val="accent2"/>
+          </a:solidFill>
+        </p:spPr>
+        <p:txBody>
+          <a:bodyPr vert="horz" lIns="91440" tIns="45720" rIns="91440" bIns="45720" rtlCol="0" anchor="t">
+            <a:normAutofit/>
+          </a:bodyPr>
+          <a:lstStyle>
+            <a:lvl1pPr algn="ctr" defTabSz="2138324" rtl="0" eaLnBrk="1" latinLnBrk="0" hangingPunct="1">
+              <a:lnSpc>
+                <a:spcPct val="90000"/>
+              </a:lnSpc>
+              <a:spcBef>
+                <a:spcPct val="0"/>
+              </a:spcBef>
+              <a:buNone/>
+              <a:defRPr sz="14031" kern="1200">
+                <a:solidFill>
+                  <a:schemeClr val="tx1"/>
+                </a:solidFill>
+                <a:latin typeface="+mj-lt"/>
+                <a:ea typeface="+mj-ea"/>
+                <a:cs typeface="+mj-cs"/>
+              </a:defRPr>
+            </a:lvl1pPr>
+          </a:lstStyle>
+          <a:p>
+            <a:pPr algn="l"/>
+            <a:r>
+              <a:rPr lang="en-GB" sz="1400" b="1" dirty="0" smtClean="0"/>
+              <a:t>References</a:t>
+            </a:r>
+          </a:p>
+          <a:p>
+            <a:pPr algn="l"/>
+            <a:r>
+              <a:rPr lang="en-GB" sz="1400" b="1" dirty="0"/>
+              <a:t>[1] Belfield, C. (2008) Cost of Early School-Leaving and School Failure (p. 48). New York: Economics department, City University of New York</a:t>
+            </a:r>
+          </a:p>
+          <a:p>
+            <a:pPr algn="l"/>
+            <a:r>
+              <a:rPr lang="en-GB" sz="1400" b="1" dirty="0"/>
+              <a:t>[2] Brunello, G. &amp; Paola, M.D. 2014, "The costs of early school leaving in Europe", IZA Journal of </a:t>
+            </a:r>
+            <a:r>
+              <a:rPr lang="en-GB" sz="1400" b="1" dirty="0" err="1"/>
+              <a:t>Labor</a:t>
+            </a:r>
+            <a:r>
+              <a:rPr lang="en-GB" sz="1400" b="1" dirty="0"/>
+              <a:t> Policy, vol. 3, no. 1, pp. 1-31.</a:t>
+            </a:r>
+          </a:p>
+          <a:p>
+            <a:pPr algn="l"/>
+            <a:r>
+              <a:rPr lang="en-GB" sz="1400" b="1" dirty="0"/>
+              <a:t>[3] Fernandez-Gutierrez, M. &amp; Martinez, J. 2014, "THE NON-MONETARY COSTS OF EARLY SCHOOL LEAVING: ESTIMATION IN TERMS OF YEARS OF GOOD HEALTH", EDUCACION XX1, vol. 17, no. 2, pp. 241-263.</a:t>
+            </a:r>
+          </a:p>
+          <a:p>
+            <a:pPr algn="l"/>
+            <a:r>
+              <a:rPr lang="en-GB" sz="1400" b="1" dirty="0"/>
+              <a:t>[4] Meier, Y., Xu, J., </a:t>
+            </a:r>
+            <a:r>
+              <a:rPr lang="en-GB" sz="1400" b="1" dirty="0" err="1"/>
+              <a:t>Atan</a:t>
+            </a:r>
+            <a:r>
+              <a:rPr lang="en-GB" sz="1400" b="1" dirty="0"/>
+              <a:t>, O. &amp; van der </a:t>
+            </a:r>
+            <a:r>
+              <a:rPr lang="en-GB" sz="1400" b="1" dirty="0" err="1"/>
+              <a:t>Schaar</a:t>
+            </a:r>
+            <a:r>
+              <a:rPr lang="en-GB" sz="1400" b="1" dirty="0"/>
+              <a:t>, M. 2016;2015;, "Predicting Grades", IEEE Transactions on Signal Processing, vol. 64, no. 4, pp. 959-972.</a:t>
+            </a:r>
+          </a:p>
+          <a:p>
+            <a:pPr algn="l"/>
+            <a:r>
+              <a:rPr lang="en-GB" sz="1400" b="1" dirty="0"/>
+              <a:t>[5] P. Cortez and A. Silva. Using Data Mining to Predict Secondary School Student Performance. In A. Brito and J. </a:t>
+            </a:r>
+            <a:r>
+              <a:rPr lang="en-GB" sz="1400" b="1" dirty="0" err="1"/>
+              <a:t>Teixeira</a:t>
+            </a:r>
+            <a:r>
+              <a:rPr lang="en-GB" sz="1400" b="1" dirty="0"/>
+              <a:t> Eds., Proceedings of 5th </a:t>
+            </a:r>
+            <a:r>
+              <a:rPr lang="en-GB" sz="1400" b="1" dirty="0" err="1"/>
+              <a:t>FUture</a:t>
+            </a:r>
+            <a:r>
+              <a:rPr lang="en-GB" sz="1400" b="1" dirty="0"/>
+              <a:t> </a:t>
+            </a:r>
+            <a:r>
+              <a:rPr lang="en-GB" sz="1400" b="1" dirty="0" err="1"/>
+              <a:t>BUsiness</a:t>
+            </a:r>
+            <a:r>
+              <a:rPr lang="en-GB" sz="1400" b="1" dirty="0"/>
+              <a:t> </a:t>
+            </a:r>
+            <a:r>
+              <a:rPr lang="en-GB" sz="1400" b="1" dirty="0" err="1"/>
+              <a:t>TEChnology</a:t>
+            </a:r>
+            <a:r>
+              <a:rPr lang="en-GB" sz="1400" b="1" dirty="0"/>
+              <a:t> Conference (FUBUTEC 2008) pp. 5-12, Porto, Portugal, April, 2008, EUROSIS, ISBN 978-9077381-39-7.</a:t>
+            </a:r>
+            <a:endParaRPr lang="en-GB" sz="1400" b="1" dirty="0"/>
+          </a:p>
+        </p:txBody>
+      </p:sp>
+      <p:sp>
+        <p:nvSpPr>
+          <p:cNvPr id="14" name="Title 3"/>
+          <p:cNvSpPr txBox="1">
+            <a:spLocks/>
+          </p:cNvSpPr>
+          <p:nvPr/>
+        </p:nvSpPr>
+        <p:spPr>
+          <a:xfrm>
+            <a:off x="515257" y="26290584"/>
+            <a:ext cx="20127686" cy="1438725"/>
+          </a:xfrm>
+          <a:prstGeom prst="rect">
+            <a:avLst/>
+          </a:prstGeom>
+          <a:solidFill>
+            <a:schemeClr val="accent2"/>
+          </a:solidFill>
+        </p:spPr>
+        <p:txBody>
+          <a:bodyPr vert="horz" lIns="91440" tIns="45720" rIns="91440" bIns="45720" rtlCol="0" anchor="t">
+            <a:normAutofit/>
+          </a:bodyPr>
+          <a:lstStyle>
+            <a:lvl1pPr algn="ctr" defTabSz="2138324" rtl="0" eaLnBrk="1" latinLnBrk="0" hangingPunct="1">
+              <a:lnSpc>
+                <a:spcPct val="90000"/>
+              </a:lnSpc>
+              <a:spcBef>
+                <a:spcPct val="0"/>
+              </a:spcBef>
+              <a:buNone/>
+              <a:defRPr sz="14031" kern="1200">
+                <a:solidFill>
+                  <a:schemeClr val="tx1"/>
+                </a:solidFill>
+                <a:latin typeface="+mj-lt"/>
+                <a:ea typeface="+mj-ea"/>
+                <a:cs typeface="+mj-cs"/>
+              </a:defRPr>
+            </a:lvl1pPr>
+          </a:lstStyle>
+          <a:p>
+            <a:pPr algn="l"/>
+            <a:r>
+              <a:rPr lang="en-GB" sz="4400" b="1" dirty="0" smtClean="0"/>
+              <a:t>LESSONS LEARNED AND FUTURE WORK</a:t>
+            </a:r>
+            <a:endParaRPr lang="en-GB" sz="4400" b="1" dirty="0"/>
+          </a:p>
+        </p:txBody>
+      </p:sp>
+      <p:sp>
+        <p:nvSpPr>
+          <p:cNvPr id="15" name="Title 3"/>
+          <p:cNvSpPr txBox="1">
+            <a:spLocks/>
+          </p:cNvSpPr>
+          <p:nvPr/>
+        </p:nvSpPr>
+        <p:spPr>
+          <a:xfrm>
+            <a:off x="515257" y="21104098"/>
+            <a:ext cx="20127685" cy="4863882"/>
+          </a:xfrm>
+          <a:prstGeom prst="rect">
+            <a:avLst/>
+          </a:prstGeom>
+          <a:solidFill>
+            <a:schemeClr val="accent2"/>
+          </a:solidFill>
+        </p:spPr>
+        <p:txBody>
+          <a:bodyPr vert="horz" lIns="91440" tIns="45720" rIns="91440" bIns="45720" rtlCol="0" anchor="t">
+            <a:normAutofit/>
+          </a:bodyPr>
+          <a:lstStyle>
+            <a:lvl1pPr algn="ctr" defTabSz="2138324" rtl="0" eaLnBrk="1" latinLnBrk="0" hangingPunct="1">
+              <a:lnSpc>
+                <a:spcPct val="90000"/>
+              </a:lnSpc>
+              <a:spcBef>
+                <a:spcPct val="0"/>
+              </a:spcBef>
+              <a:buNone/>
+              <a:defRPr sz="14031" kern="1200">
+                <a:solidFill>
+                  <a:schemeClr val="tx1"/>
+                </a:solidFill>
+                <a:latin typeface="+mj-lt"/>
+                <a:ea typeface="+mj-ea"/>
+                <a:cs typeface="+mj-cs"/>
+              </a:defRPr>
+            </a:lvl1pPr>
+          </a:lstStyle>
+          <a:p>
+            <a:pPr algn="l"/>
+            <a:r>
+              <a:rPr lang="en-GB" sz="4400" b="1" dirty="0" smtClean="0"/>
+              <a:t>ANALYSIS AND CRITICAL EVALUATION OF RESULT</a:t>
             </a:r>
             <a:endParaRPr lang="en-GB" sz="4400" b="1" dirty="0"/>
           </a:p>

--- a/INM431-MachineLearning/coursework/poster/template-diabetes.pptx
+++ b/INM431-MachineLearning/coursework/poster/template-diabetes.pptx
@@ -163,7 +163,7 @@
           </a:lstStyle>
           <a:p>
             <a:r>
-              <a:rPr lang="en-US" smtClean="0"/>
+              <a:rPr lang="en-US"/>
               <a:t>Click to edit Master title style</a:t>
             </a:r>
             <a:endParaRPr lang="en-US" dirty="0"/>
@@ -228,7 +228,7 @@
           </a:lstStyle>
           <a:p>
             <a:r>
-              <a:rPr lang="en-US" smtClean="0"/>
+              <a:rPr lang="en-US"/>
               <a:t>Click to edit Master subtitle style</a:t>
             </a:r>
             <a:endParaRPr lang="en-US" dirty="0"/>
@@ -252,7 +252,7 @@
           <a:p>
             <a:fld id="{06FC9E7E-DB37-4A8E-A890-E33CCF27A238}" type="datetimeFigureOut">
               <a:rPr lang="en-GB" smtClean="0"/>
-              <a:t>20/11/2019</a:t>
+              <a:t>23/11/2019</a:t>
             </a:fld>
             <a:endParaRPr lang="en-GB"/>
           </a:p>
@@ -346,7 +346,7 @@
           <a:lstStyle/>
           <a:p>
             <a:r>
-              <a:rPr lang="en-US" smtClean="0"/>
+              <a:rPr lang="en-US"/>
               <a:t>Click to edit Master title style</a:t>
             </a:r>
             <a:endParaRPr lang="en-US" dirty="0"/>
@@ -370,35 +370,35 @@
           <a:p>
             <a:pPr lvl="0"/>
             <a:r>
-              <a:rPr lang="en-US" smtClean="0"/>
+              <a:rPr lang="en-US"/>
               <a:t>Click to edit Master text styles</a:t>
             </a:r>
           </a:p>
           <a:p>
             <a:pPr lvl="1"/>
             <a:r>
-              <a:rPr lang="en-US" smtClean="0"/>
+              <a:rPr lang="en-US"/>
               <a:t>Second level</a:t>
             </a:r>
           </a:p>
           <a:p>
             <a:pPr lvl="2"/>
             <a:r>
-              <a:rPr lang="en-US" smtClean="0"/>
+              <a:rPr lang="en-US"/>
               <a:t>Third level</a:t>
             </a:r>
           </a:p>
           <a:p>
             <a:pPr lvl="3"/>
             <a:r>
-              <a:rPr lang="en-US" smtClean="0"/>
+              <a:rPr lang="en-US"/>
               <a:t>Fourth level</a:t>
             </a:r>
           </a:p>
           <a:p>
             <a:pPr lvl="4"/>
             <a:r>
-              <a:rPr lang="en-US" smtClean="0"/>
+              <a:rPr lang="en-US"/>
               <a:t>Fifth level</a:t>
             </a:r>
             <a:endParaRPr lang="en-US" dirty="0"/>
@@ -422,7 +422,7 @@
           <a:p>
             <a:fld id="{06FC9E7E-DB37-4A8E-A890-E33CCF27A238}" type="datetimeFigureOut">
               <a:rPr lang="en-GB" smtClean="0"/>
-              <a:t>20/11/2019</a:t>
+              <a:t>23/11/2019</a:t>
             </a:fld>
             <a:endParaRPr lang="en-GB"/>
           </a:p>
@@ -521,7 +521,7 @@
           <a:lstStyle/>
           <a:p>
             <a:r>
-              <a:rPr lang="en-US" smtClean="0"/>
+              <a:rPr lang="en-US"/>
               <a:t>Click to edit Master title style</a:t>
             </a:r>
             <a:endParaRPr lang="en-US" dirty="0"/>
@@ -550,35 +550,35 @@
           <a:p>
             <a:pPr lvl="0"/>
             <a:r>
-              <a:rPr lang="en-US" smtClean="0"/>
+              <a:rPr lang="en-US"/>
               <a:t>Click to edit Master text styles</a:t>
             </a:r>
           </a:p>
           <a:p>
             <a:pPr lvl="1"/>
             <a:r>
-              <a:rPr lang="en-US" smtClean="0"/>
+              <a:rPr lang="en-US"/>
               <a:t>Second level</a:t>
             </a:r>
           </a:p>
           <a:p>
             <a:pPr lvl="2"/>
             <a:r>
-              <a:rPr lang="en-US" smtClean="0"/>
+              <a:rPr lang="en-US"/>
               <a:t>Third level</a:t>
             </a:r>
           </a:p>
           <a:p>
             <a:pPr lvl="3"/>
             <a:r>
-              <a:rPr lang="en-US" smtClean="0"/>
+              <a:rPr lang="en-US"/>
               <a:t>Fourth level</a:t>
             </a:r>
           </a:p>
           <a:p>
             <a:pPr lvl="4"/>
             <a:r>
-              <a:rPr lang="en-US" smtClean="0"/>
+              <a:rPr lang="en-US"/>
               <a:t>Fifth level</a:t>
             </a:r>
             <a:endParaRPr lang="en-US" dirty="0"/>
@@ -602,7 +602,7 @@
           <a:p>
             <a:fld id="{06FC9E7E-DB37-4A8E-A890-E33CCF27A238}" type="datetimeFigureOut">
               <a:rPr lang="en-GB" smtClean="0"/>
-              <a:t>20/11/2019</a:t>
+              <a:t>23/11/2019</a:t>
             </a:fld>
             <a:endParaRPr lang="en-GB"/>
           </a:p>
@@ -696,7 +696,7 @@
           <a:lstStyle/>
           <a:p>
             <a:r>
-              <a:rPr lang="en-US" smtClean="0"/>
+              <a:rPr lang="en-US"/>
               <a:t>Click to edit Master title style</a:t>
             </a:r>
             <a:endParaRPr lang="en-US" dirty="0"/>
@@ -720,35 +720,35 @@
           <a:p>
             <a:pPr lvl="0"/>
             <a:r>
-              <a:rPr lang="en-US" smtClean="0"/>
+              <a:rPr lang="en-US"/>
               <a:t>Click to edit Master text styles</a:t>
             </a:r>
           </a:p>
           <a:p>
             <a:pPr lvl="1"/>
             <a:r>
-              <a:rPr lang="en-US" smtClean="0"/>
+              <a:rPr lang="en-US"/>
               <a:t>Second level</a:t>
             </a:r>
           </a:p>
           <a:p>
             <a:pPr lvl="2"/>
             <a:r>
-              <a:rPr lang="en-US" smtClean="0"/>
+              <a:rPr lang="en-US"/>
               <a:t>Third level</a:t>
             </a:r>
           </a:p>
           <a:p>
             <a:pPr lvl="3"/>
             <a:r>
-              <a:rPr lang="en-US" smtClean="0"/>
+              <a:rPr lang="en-US"/>
               <a:t>Fourth level</a:t>
             </a:r>
           </a:p>
           <a:p>
             <a:pPr lvl="4"/>
             <a:r>
-              <a:rPr lang="en-US" smtClean="0"/>
+              <a:rPr lang="en-US"/>
               <a:t>Fifth level</a:t>
             </a:r>
             <a:endParaRPr lang="en-US" dirty="0"/>
@@ -772,7 +772,7 @@
           <a:p>
             <a:fld id="{06FC9E7E-DB37-4A8E-A890-E33CCF27A238}" type="datetimeFigureOut">
               <a:rPr lang="en-GB" smtClean="0"/>
-              <a:t>20/11/2019</a:t>
+              <a:t>23/11/2019</a:t>
             </a:fld>
             <a:endParaRPr lang="en-GB"/>
           </a:p>
@@ -875,7 +875,7 @@
           </a:lstStyle>
           <a:p>
             <a:r>
-              <a:rPr lang="en-US" smtClean="0"/>
+              <a:rPr lang="en-US"/>
               <a:t>Click to edit Master title style</a:t>
             </a:r>
             <a:endParaRPr lang="en-US" dirty="0"/>
@@ -993,7 +993,7 @@
           <a:p>
             <a:pPr lvl="0"/>
             <a:r>
-              <a:rPr lang="en-US" smtClean="0"/>
+              <a:rPr lang="en-US"/>
               <a:t>Click to edit Master text styles</a:t>
             </a:r>
           </a:p>
@@ -1016,7 +1016,7 @@
           <a:p>
             <a:fld id="{06FC9E7E-DB37-4A8E-A890-E33CCF27A238}" type="datetimeFigureOut">
               <a:rPr lang="en-GB" smtClean="0"/>
-              <a:t>20/11/2019</a:t>
+              <a:t>23/11/2019</a:t>
             </a:fld>
             <a:endParaRPr lang="en-GB"/>
           </a:p>
@@ -1110,7 +1110,7 @@
           <a:lstStyle/>
           <a:p>
             <a:r>
-              <a:rPr lang="en-US" smtClean="0"/>
+              <a:rPr lang="en-US"/>
               <a:t>Click to edit Master title style</a:t>
             </a:r>
             <a:endParaRPr lang="en-US" dirty="0"/>
@@ -1139,35 +1139,35 @@
           <a:p>
             <a:pPr lvl="0"/>
             <a:r>
-              <a:rPr lang="en-US" smtClean="0"/>
+              <a:rPr lang="en-US"/>
               <a:t>Click to edit Master text styles</a:t>
             </a:r>
           </a:p>
           <a:p>
             <a:pPr lvl="1"/>
             <a:r>
-              <a:rPr lang="en-US" smtClean="0"/>
+              <a:rPr lang="en-US"/>
               <a:t>Second level</a:t>
             </a:r>
           </a:p>
           <a:p>
             <a:pPr lvl="2"/>
             <a:r>
-              <a:rPr lang="en-US" smtClean="0"/>
+              <a:rPr lang="en-US"/>
               <a:t>Third level</a:t>
             </a:r>
           </a:p>
           <a:p>
             <a:pPr lvl="3"/>
             <a:r>
-              <a:rPr lang="en-US" smtClean="0"/>
+              <a:rPr lang="en-US"/>
               <a:t>Fourth level</a:t>
             </a:r>
           </a:p>
           <a:p>
             <a:pPr lvl="4"/>
             <a:r>
-              <a:rPr lang="en-US" smtClean="0"/>
+              <a:rPr lang="en-US"/>
               <a:t>Fifth level</a:t>
             </a:r>
             <a:endParaRPr lang="en-US" dirty="0"/>
@@ -1196,35 +1196,35 @@
           <a:p>
             <a:pPr lvl="0"/>
             <a:r>
-              <a:rPr lang="en-US" smtClean="0"/>
+              <a:rPr lang="en-US"/>
               <a:t>Click to edit Master text styles</a:t>
             </a:r>
           </a:p>
           <a:p>
             <a:pPr lvl="1"/>
             <a:r>
-              <a:rPr lang="en-US" smtClean="0"/>
+              <a:rPr lang="en-US"/>
               <a:t>Second level</a:t>
             </a:r>
           </a:p>
           <a:p>
             <a:pPr lvl="2"/>
             <a:r>
-              <a:rPr lang="en-US" smtClean="0"/>
+              <a:rPr lang="en-US"/>
               <a:t>Third level</a:t>
             </a:r>
           </a:p>
           <a:p>
             <a:pPr lvl="3"/>
             <a:r>
-              <a:rPr lang="en-US" smtClean="0"/>
+              <a:rPr lang="en-US"/>
               <a:t>Fourth level</a:t>
             </a:r>
           </a:p>
           <a:p>
             <a:pPr lvl="4"/>
             <a:r>
-              <a:rPr lang="en-US" smtClean="0"/>
+              <a:rPr lang="en-US"/>
               <a:t>Fifth level</a:t>
             </a:r>
             <a:endParaRPr lang="en-US" dirty="0"/>
@@ -1248,7 +1248,7 @@
           <a:p>
             <a:fld id="{06FC9E7E-DB37-4A8E-A890-E33CCF27A238}" type="datetimeFigureOut">
               <a:rPr lang="en-GB" smtClean="0"/>
-              <a:t>20/11/2019</a:t>
+              <a:t>23/11/2019</a:t>
             </a:fld>
             <a:endParaRPr lang="en-GB"/>
           </a:p>
@@ -1347,7 +1347,7 @@
           <a:lstStyle/>
           <a:p>
             <a:r>
-              <a:rPr lang="en-US" smtClean="0"/>
+              <a:rPr lang="en-US"/>
               <a:t>Click to edit Master title style</a:t>
             </a:r>
             <a:endParaRPr lang="en-US" dirty="0"/>
@@ -1413,7 +1413,7 @@
           <a:p>
             <a:pPr lvl="0"/>
             <a:r>
-              <a:rPr lang="en-US" smtClean="0"/>
+              <a:rPr lang="en-US"/>
               <a:t>Click to edit Master text styles</a:t>
             </a:r>
           </a:p>
@@ -1441,35 +1441,35 @@
           <a:p>
             <a:pPr lvl="0"/>
             <a:r>
-              <a:rPr lang="en-US" smtClean="0"/>
+              <a:rPr lang="en-US"/>
               <a:t>Click to edit Master text styles</a:t>
             </a:r>
           </a:p>
           <a:p>
             <a:pPr lvl="1"/>
             <a:r>
-              <a:rPr lang="en-US" smtClean="0"/>
+              <a:rPr lang="en-US"/>
               <a:t>Second level</a:t>
             </a:r>
           </a:p>
           <a:p>
             <a:pPr lvl="2"/>
             <a:r>
-              <a:rPr lang="en-US" smtClean="0"/>
+              <a:rPr lang="en-US"/>
               <a:t>Third level</a:t>
             </a:r>
           </a:p>
           <a:p>
             <a:pPr lvl="3"/>
             <a:r>
-              <a:rPr lang="en-US" smtClean="0"/>
+              <a:rPr lang="en-US"/>
               <a:t>Fourth level</a:t>
             </a:r>
           </a:p>
           <a:p>
             <a:pPr lvl="4"/>
             <a:r>
-              <a:rPr lang="en-US" smtClean="0"/>
+              <a:rPr lang="en-US"/>
               <a:t>Fifth level</a:t>
             </a:r>
             <a:endParaRPr lang="en-US" dirty="0"/>
@@ -1535,7 +1535,7 @@
           <a:p>
             <a:pPr lvl="0"/>
             <a:r>
-              <a:rPr lang="en-US" smtClean="0"/>
+              <a:rPr lang="en-US"/>
               <a:t>Click to edit Master text styles</a:t>
             </a:r>
           </a:p>
@@ -1563,35 +1563,35 @@
           <a:p>
             <a:pPr lvl="0"/>
             <a:r>
-              <a:rPr lang="en-US" smtClean="0"/>
+              <a:rPr lang="en-US"/>
               <a:t>Click to edit Master text styles</a:t>
             </a:r>
           </a:p>
           <a:p>
             <a:pPr lvl="1"/>
             <a:r>
-              <a:rPr lang="en-US" smtClean="0"/>
+              <a:rPr lang="en-US"/>
               <a:t>Second level</a:t>
             </a:r>
           </a:p>
           <a:p>
             <a:pPr lvl="2"/>
             <a:r>
-              <a:rPr lang="en-US" smtClean="0"/>
+              <a:rPr lang="en-US"/>
               <a:t>Third level</a:t>
             </a:r>
           </a:p>
           <a:p>
             <a:pPr lvl="3"/>
             <a:r>
-              <a:rPr lang="en-US" smtClean="0"/>
+              <a:rPr lang="en-US"/>
               <a:t>Fourth level</a:t>
             </a:r>
           </a:p>
           <a:p>
             <a:pPr lvl="4"/>
             <a:r>
-              <a:rPr lang="en-US" smtClean="0"/>
+              <a:rPr lang="en-US"/>
               <a:t>Fifth level</a:t>
             </a:r>
             <a:endParaRPr lang="en-US" dirty="0"/>
@@ -1615,7 +1615,7 @@
           <a:p>
             <a:fld id="{06FC9E7E-DB37-4A8E-A890-E33CCF27A238}" type="datetimeFigureOut">
               <a:rPr lang="en-GB" smtClean="0"/>
-              <a:t>20/11/2019</a:t>
+              <a:t>23/11/2019</a:t>
             </a:fld>
             <a:endParaRPr lang="en-GB"/>
           </a:p>
@@ -1709,7 +1709,7 @@
           <a:lstStyle/>
           <a:p>
             <a:r>
-              <a:rPr lang="en-US" smtClean="0"/>
+              <a:rPr lang="en-US"/>
               <a:t>Click to edit Master title style</a:t>
             </a:r>
             <a:endParaRPr lang="en-US" dirty="0"/>
@@ -1733,7 +1733,7 @@
           <a:p>
             <a:fld id="{06FC9E7E-DB37-4A8E-A890-E33CCF27A238}" type="datetimeFigureOut">
               <a:rPr lang="en-GB" smtClean="0"/>
-              <a:t>20/11/2019</a:t>
+              <a:t>23/11/2019</a:t>
             </a:fld>
             <a:endParaRPr lang="en-GB"/>
           </a:p>
@@ -1828,7 +1828,7 @@
           <a:p>
             <a:fld id="{06FC9E7E-DB37-4A8E-A890-E33CCF27A238}" type="datetimeFigureOut">
               <a:rPr lang="en-GB" smtClean="0"/>
-              <a:t>20/11/2019</a:t>
+              <a:t>23/11/2019</a:t>
             </a:fld>
             <a:endParaRPr lang="en-GB"/>
           </a:p>
@@ -1931,7 +1931,7 @@
           </a:lstStyle>
           <a:p>
             <a:r>
-              <a:rPr lang="en-US" smtClean="0"/>
+              <a:rPr lang="en-US"/>
               <a:t>Click to edit Master title style</a:t>
             </a:r>
             <a:endParaRPr lang="en-US" dirty="0"/>
@@ -1988,35 +1988,35 @@
           <a:p>
             <a:pPr lvl="0"/>
             <a:r>
-              <a:rPr lang="en-US" smtClean="0"/>
+              <a:rPr lang="en-US"/>
               <a:t>Click to edit Master text styles</a:t>
             </a:r>
           </a:p>
           <a:p>
             <a:pPr lvl="1"/>
             <a:r>
-              <a:rPr lang="en-US" smtClean="0"/>
+              <a:rPr lang="en-US"/>
               <a:t>Second level</a:t>
             </a:r>
           </a:p>
           <a:p>
             <a:pPr lvl="2"/>
             <a:r>
-              <a:rPr lang="en-US" smtClean="0"/>
+              <a:rPr lang="en-US"/>
               <a:t>Third level</a:t>
             </a:r>
           </a:p>
           <a:p>
             <a:pPr lvl="3"/>
             <a:r>
-              <a:rPr lang="en-US" smtClean="0"/>
+              <a:rPr lang="en-US"/>
               <a:t>Fourth level</a:t>
             </a:r>
           </a:p>
           <a:p>
             <a:pPr lvl="4"/>
             <a:r>
-              <a:rPr lang="en-US" smtClean="0"/>
+              <a:rPr lang="en-US"/>
               <a:t>Fifth level</a:t>
             </a:r>
             <a:endParaRPr lang="en-US" dirty="0"/>
@@ -2082,7 +2082,7 @@
           <a:p>
             <a:pPr lvl="0"/>
             <a:r>
-              <a:rPr lang="en-US" smtClean="0"/>
+              <a:rPr lang="en-US"/>
               <a:t>Click to edit Master text styles</a:t>
             </a:r>
           </a:p>
@@ -2105,7 +2105,7 @@
           <a:p>
             <a:fld id="{06FC9E7E-DB37-4A8E-A890-E33CCF27A238}" type="datetimeFigureOut">
               <a:rPr lang="en-GB" smtClean="0"/>
-              <a:t>20/11/2019</a:t>
+              <a:t>23/11/2019</a:t>
             </a:fld>
             <a:endParaRPr lang="en-GB"/>
           </a:p>
@@ -2208,7 +2208,7 @@
           </a:lstStyle>
           <a:p>
             <a:r>
-              <a:rPr lang="en-US" smtClean="0"/>
+              <a:rPr lang="en-US"/>
               <a:t>Click to edit Master title style</a:t>
             </a:r>
             <a:endParaRPr lang="en-US" dirty="0"/>
@@ -2273,7 +2273,7 @@
           </a:lstStyle>
           <a:p>
             <a:r>
-              <a:rPr lang="en-US" smtClean="0"/>
+              <a:rPr lang="en-US"/>
               <a:t>Click icon to add picture</a:t>
             </a:r>
             <a:endParaRPr lang="en-US" dirty="0"/>
@@ -2339,7 +2339,7 @@
           <a:p>
             <a:pPr lvl="0"/>
             <a:r>
-              <a:rPr lang="en-US" smtClean="0"/>
+              <a:rPr lang="en-US"/>
               <a:t>Click to edit Master text styles</a:t>
             </a:r>
           </a:p>
@@ -2362,7 +2362,7 @@
           <a:p>
             <a:fld id="{06FC9E7E-DB37-4A8E-A890-E33CCF27A238}" type="datetimeFigureOut">
               <a:rPr lang="en-GB" smtClean="0"/>
-              <a:t>20/11/2019</a:t>
+              <a:t>23/11/2019</a:t>
             </a:fld>
             <a:endParaRPr lang="en-GB"/>
           </a:p>
@@ -2471,7 +2471,7 @@
           <a:lstStyle/>
           <a:p>
             <a:r>
-              <a:rPr lang="en-US" smtClean="0"/>
+              <a:rPr lang="en-US"/>
               <a:t>Click to edit Master title style</a:t>
             </a:r>
             <a:endParaRPr lang="en-US" dirty="0"/>
@@ -2505,35 +2505,35 @@
           <a:p>
             <a:pPr lvl="0"/>
             <a:r>
-              <a:rPr lang="en-US" smtClean="0"/>
+              <a:rPr lang="en-US"/>
               <a:t>Click to edit Master text styles</a:t>
             </a:r>
           </a:p>
           <a:p>
             <a:pPr lvl="1"/>
             <a:r>
-              <a:rPr lang="en-US" smtClean="0"/>
+              <a:rPr lang="en-US"/>
               <a:t>Second level</a:t>
             </a:r>
           </a:p>
           <a:p>
             <a:pPr lvl="2"/>
             <a:r>
-              <a:rPr lang="en-US" smtClean="0"/>
+              <a:rPr lang="en-US"/>
               <a:t>Third level</a:t>
             </a:r>
           </a:p>
           <a:p>
             <a:pPr lvl="3"/>
             <a:r>
-              <a:rPr lang="en-US" smtClean="0"/>
+              <a:rPr lang="en-US"/>
               <a:t>Fourth level</a:t>
             </a:r>
           </a:p>
           <a:p>
             <a:pPr lvl="4"/>
             <a:r>
-              <a:rPr lang="en-US" smtClean="0"/>
+              <a:rPr lang="en-US"/>
               <a:t>Fifth level</a:t>
             </a:r>
             <a:endParaRPr lang="en-US" dirty="0"/>
@@ -2575,7 +2575,7 @@
           <a:p>
             <a:fld id="{06FC9E7E-DB37-4A8E-A890-E33CCF27A238}" type="datetimeFigureOut">
               <a:rPr lang="en-GB" smtClean="0"/>
-              <a:t>20/11/2019</a:t>
+              <a:t>23/11/2019</a:t>
             </a:fld>
             <a:endParaRPr lang="en-GB"/>
           </a:p>
@@ -2990,8 +2990,8 @@
         </p:nvSpPr>
         <p:spPr>
           <a:xfrm>
-            <a:off x="3330101" y="1226458"/>
-            <a:ext cx="17710547" cy="544285"/>
+            <a:off x="3330102" y="1226458"/>
+            <a:ext cx="17532722" cy="544285"/>
           </a:xfrm>
           <a:prstGeom prst="rect">
             <a:avLst/>
@@ -3023,18 +3023,9 @@
           <a:p>
             <a:pPr algn="l"/>
             <a:r>
-              <a:rPr lang="en-GB" sz="2800" b="1" dirty="0" smtClean="0"/>
-              <a:t>INM431 </a:t>
-            </a:r>
-            <a:r>
-              <a:rPr lang="en-GB" sz="2800" b="1" dirty="0" smtClean="0"/>
-              <a:t>Machine Learning coursework - </a:t>
-            </a:r>
-            <a:r>
-              <a:rPr lang="en-GB" sz="2800" b="1" dirty="0" smtClean="0"/>
-              <a:t>daniel.sikar@city.ac.uk  </a:t>
-            </a:r>
-            <a:endParaRPr lang="en-GB" sz="2800" b="1" dirty="0"/>
+              <a:rPr lang="en-GB" sz="2800" b="1" dirty="0"/>
+              <a:t>INM431 Machine Learning coursework – Daniel Sikar - daniel.sikar@city.ac.uk  </a:t>
+            </a:r>
           </a:p>
         </p:txBody>
       </p:sp>
@@ -3049,7 +3040,7 @@
         <p:spPr>
           <a:xfrm>
             <a:off x="3330101" y="466272"/>
-            <a:ext cx="17710547" cy="760186"/>
+            <a:ext cx="17555955" cy="760186"/>
           </a:xfrm>
           <a:prstGeom prst="rect">
             <a:avLst/>
@@ -3081,10 +3072,13 @@
           <a:p>
             <a:pPr algn="l"/>
             <a:r>
-              <a:rPr lang="en-GB" sz="4400" b="1" dirty="0" smtClean="0"/>
+              <a:rPr lang="en-GB" sz="4400" b="1" dirty="0">
+                <a:solidFill>
+                  <a:srgbClr val="FF0000"/>
+                </a:solidFill>
+              </a:rPr>
               <a:t>Student Performance Evaluation using Naïve Bayes and Random Forests</a:t>
             </a:r>
-            <a:endParaRPr lang="en-GB" sz="4400" b="1" dirty="0"/>
           </a:p>
         </p:txBody>
       </p:sp>
@@ -3128,14 +3122,995 @@
         </p:nvSpPr>
         <p:spPr>
           <a:xfrm>
-            <a:off x="515258" y="2249713"/>
-            <a:ext cx="18962913" cy="1309006"/>
+            <a:off x="515257" y="1989143"/>
+            <a:ext cx="20347566" cy="1309006"/>
+          </a:xfrm>
+          <a:prstGeom prst="rect">
+            <a:avLst/>
+          </a:prstGeom>
+          <a:solidFill>
+            <a:schemeClr val="bg1"/>
+          </a:solidFill>
+        </p:spPr>
+        <p:txBody>
+          <a:bodyPr vert="horz" lIns="91440" tIns="45720" rIns="91440" bIns="45720" rtlCol="0" anchor="t">
+            <a:normAutofit/>
+          </a:bodyPr>
+          <a:lstStyle>
+            <a:lvl1pPr algn="ctr" defTabSz="2138324" rtl="0" eaLnBrk="1" latinLnBrk="0" hangingPunct="1">
+              <a:lnSpc>
+                <a:spcPct val="90000"/>
+              </a:lnSpc>
+              <a:spcBef>
+                <a:spcPct val="0"/>
+              </a:spcBef>
+              <a:buNone/>
+              <a:defRPr sz="14031" kern="1200">
+                <a:solidFill>
+                  <a:schemeClr val="tx1"/>
+                </a:solidFill>
+                <a:latin typeface="+mj-lt"/>
+                <a:ea typeface="+mj-ea"/>
+                <a:cs typeface="+mj-cs"/>
+              </a:defRPr>
+            </a:lvl1pPr>
+          </a:lstStyle>
+          <a:p>
+            <a:pPr algn="l"/>
+            <a:r>
+              <a:rPr lang="en-GB" sz="2400" b="1" dirty="0">
+                <a:solidFill>
+                  <a:srgbClr val="FF0000"/>
+                </a:solidFill>
+              </a:rPr>
+              <a:t>Description and motivation</a:t>
+            </a:r>
+          </a:p>
+          <a:p>
+            <a:pPr algn="l"/>
+            <a:r>
+              <a:rPr lang="en-GB" sz="1400" b="1" dirty="0"/>
+              <a:t>Studies in Europe and the USA have shown the fiscal and social costs of early school leaving, which typically reduces lifetime earnings and leads to higher unemployment incidence and duration, while the benefits of education include gain in net earnings and wealth, improved health status / life expectancy, lower reliance on government health and welfare programmes and reduced expenditures on criminal justice [1][2][3].</a:t>
+            </a:r>
+          </a:p>
+          <a:p>
+            <a:pPr algn="l"/>
+            <a:r>
+              <a:rPr lang="en-GB" sz="1400" b="1" dirty="0"/>
+              <a:t>One important problem is to automatically detect students that are going to do poorly in a course early enough to be able to take remedial actions [4]. A number of Machine Learning algorithms have been used in student grade prediction. We base our study on prior work [5], using Naïve Bayes and Random Forests applied to secondary school student performance data.</a:t>
+            </a:r>
+          </a:p>
+        </p:txBody>
+      </p:sp>
+      <p:sp>
+        <p:nvSpPr>
+          <p:cNvPr id="12" name="Title 3"/>
+          <p:cNvSpPr txBox="1">
+            <a:spLocks/>
+          </p:cNvSpPr>
+          <p:nvPr/>
+        </p:nvSpPr>
+        <p:spPr>
+          <a:xfrm>
+            <a:off x="12325664" y="3327113"/>
+            <a:ext cx="5582439" cy="2924465"/>
+          </a:xfrm>
+          <a:prstGeom prst="rect">
+            <a:avLst/>
+          </a:prstGeom>
+          <a:solidFill>
+            <a:schemeClr val="bg1"/>
+          </a:solidFill>
+        </p:spPr>
+        <p:txBody>
+          <a:bodyPr vert="horz" lIns="91440" tIns="45720" rIns="91440" bIns="45720" rtlCol="0" anchor="t">
+            <a:normAutofit/>
+          </a:bodyPr>
+          <a:lstStyle>
+            <a:lvl1pPr algn="ctr" defTabSz="2138324" rtl="0" eaLnBrk="1" latinLnBrk="0" hangingPunct="1">
+              <a:lnSpc>
+                <a:spcPct val="90000"/>
+              </a:lnSpc>
+              <a:spcBef>
+                <a:spcPct val="0"/>
+              </a:spcBef>
+              <a:buNone/>
+              <a:defRPr sz="14031" kern="1200">
+                <a:solidFill>
+                  <a:schemeClr val="tx1"/>
+                </a:solidFill>
+                <a:latin typeface="+mj-lt"/>
+                <a:ea typeface="+mj-ea"/>
+                <a:cs typeface="+mj-cs"/>
+              </a:defRPr>
+            </a:lvl1pPr>
+          </a:lstStyle>
+          <a:p>
+            <a:endParaRPr lang="en-GB" sz="4000" dirty="0"/>
+          </a:p>
+        </p:txBody>
+      </p:sp>
+      <p:sp>
+        <p:nvSpPr>
+          <p:cNvPr id="16" name="Title 3"/>
+          <p:cNvSpPr txBox="1">
+            <a:spLocks/>
+          </p:cNvSpPr>
+          <p:nvPr/>
+        </p:nvSpPr>
+        <p:spPr>
+          <a:xfrm>
+            <a:off x="15102114" y="15184952"/>
+            <a:ext cx="5760709" cy="3574998"/>
+          </a:xfrm>
+          <a:prstGeom prst="rect">
+            <a:avLst/>
+          </a:prstGeom>
+          <a:solidFill>
+            <a:schemeClr val="accent1"/>
+          </a:solidFill>
+        </p:spPr>
+        <p:txBody>
+          <a:bodyPr vert="horz" lIns="91440" tIns="45720" rIns="91440" bIns="45720" rtlCol="0" anchor="b">
+            <a:normAutofit/>
+          </a:bodyPr>
+          <a:lstStyle>
+            <a:lvl1pPr algn="ctr" defTabSz="2138324" rtl="0" eaLnBrk="1" latinLnBrk="0" hangingPunct="1">
+              <a:lnSpc>
+                <a:spcPct val="90000"/>
+              </a:lnSpc>
+              <a:spcBef>
+                <a:spcPct val="0"/>
+              </a:spcBef>
+              <a:buNone/>
+              <a:defRPr sz="14031" kern="1200">
+                <a:solidFill>
+                  <a:schemeClr val="tx1"/>
+                </a:solidFill>
+                <a:latin typeface="+mj-lt"/>
+                <a:ea typeface="+mj-ea"/>
+                <a:cs typeface="+mj-cs"/>
+              </a:defRPr>
+            </a:lvl1pPr>
+          </a:lstStyle>
+          <a:p>
+            <a:r>
+              <a:rPr lang="en-GB" sz="2400" dirty="0"/>
+              <a:t>IMAGE HOLDER</a:t>
+            </a:r>
+          </a:p>
+        </p:txBody>
+      </p:sp>
+      <p:sp>
+        <p:nvSpPr>
+          <p:cNvPr id="17" name="Title 3"/>
+          <p:cNvSpPr txBox="1">
+            <a:spLocks/>
+          </p:cNvSpPr>
+          <p:nvPr/>
+        </p:nvSpPr>
+        <p:spPr>
+          <a:xfrm>
+            <a:off x="14586857" y="18907433"/>
+            <a:ext cx="6275966" cy="7060546"/>
+          </a:xfrm>
+          <a:prstGeom prst="rect">
+            <a:avLst/>
+          </a:prstGeom>
+          <a:solidFill>
+            <a:schemeClr val="accent1"/>
+          </a:solidFill>
+        </p:spPr>
+        <p:txBody>
+          <a:bodyPr vert="horz" lIns="91440" tIns="45720" rIns="91440" bIns="45720" rtlCol="0" anchor="b">
+            <a:normAutofit/>
+          </a:bodyPr>
+          <a:lstStyle>
+            <a:lvl1pPr algn="ctr" defTabSz="2138324" rtl="0" eaLnBrk="1" latinLnBrk="0" hangingPunct="1">
+              <a:lnSpc>
+                <a:spcPct val="90000"/>
+              </a:lnSpc>
+              <a:spcBef>
+                <a:spcPct val="0"/>
+              </a:spcBef>
+              <a:buNone/>
+              <a:defRPr sz="14031" kern="1200">
+                <a:solidFill>
+                  <a:schemeClr val="tx1"/>
+                </a:solidFill>
+                <a:latin typeface="+mj-lt"/>
+                <a:ea typeface="+mj-ea"/>
+                <a:cs typeface="+mj-cs"/>
+              </a:defRPr>
+            </a:lvl1pPr>
+          </a:lstStyle>
+          <a:p>
+            <a:r>
+              <a:rPr lang="en-GB" sz="2400" dirty="0"/>
+              <a:t>IMAGE HOLDER</a:t>
+            </a:r>
+          </a:p>
+        </p:txBody>
+      </p:sp>
+      <p:sp>
+        <p:nvSpPr>
+          <p:cNvPr id="18" name="Title 3"/>
+          <p:cNvSpPr txBox="1">
+            <a:spLocks/>
+          </p:cNvSpPr>
+          <p:nvPr/>
+        </p:nvSpPr>
+        <p:spPr>
+          <a:xfrm>
+            <a:off x="515257" y="3286182"/>
+            <a:ext cx="11486242" cy="5235517"/>
+          </a:xfrm>
+          <a:prstGeom prst="rect">
+            <a:avLst/>
+          </a:prstGeom>
+          <a:solidFill>
+            <a:schemeClr val="bg1"/>
+          </a:solidFill>
+        </p:spPr>
+        <p:txBody>
+          <a:bodyPr vert="horz" lIns="91440" tIns="45720" rIns="91440" bIns="45720" rtlCol="0" anchor="t">
+            <a:normAutofit/>
+          </a:bodyPr>
+          <a:lstStyle>
+            <a:lvl1pPr algn="ctr" defTabSz="2138324" rtl="0" eaLnBrk="1" latinLnBrk="0" hangingPunct="1">
+              <a:lnSpc>
+                <a:spcPct val="90000"/>
+              </a:lnSpc>
+              <a:spcBef>
+                <a:spcPct val="0"/>
+              </a:spcBef>
+              <a:buNone/>
+              <a:defRPr sz="14031" kern="1200">
+                <a:solidFill>
+                  <a:schemeClr val="tx1"/>
+                </a:solidFill>
+                <a:latin typeface="+mj-lt"/>
+                <a:ea typeface="+mj-ea"/>
+                <a:cs typeface="+mj-cs"/>
+              </a:defRPr>
+            </a:lvl1pPr>
+          </a:lstStyle>
+          <a:p>
+            <a:pPr algn="l"/>
+            <a:r>
+              <a:rPr lang="en-GB" sz="2400" b="1" dirty="0">
+                <a:solidFill>
+                  <a:srgbClr val="FF0000"/>
+                </a:solidFill>
+              </a:rPr>
+              <a:t>Initial analysis of the data set including basic statistics </a:t>
+            </a:r>
+          </a:p>
+          <a:p>
+            <a:pPr algn="l"/>
+            <a:r>
+              <a:rPr lang="en-GB" sz="1400" b="1" dirty="0"/>
+              <a:t>The data sets being investigated, made publicly available at the UCI Machine Learning Repository[6], were collected by using school reports and questionnaires, at two Portuguese secondary schools and refers to subjects of Mathematics (student-mat.csv) and Portuguese (student-por.csv). Both data sets contain the same column headers and were combined for the purpose of our analysis (student-labelled.csv).</a:t>
+            </a:r>
+          </a:p>
+          <a:p>
+            <a:pPr algn="l"/>
+            <a:endParaRPr lang="en-GB" sz="1400" b="1" dirty="0"/>
+          </a:p>
+          <a:p>
+            <a:pPr algn="l"/>
+            <a:r>
+              <a:rPr lang="en-GB" sz="1400" b="1" dirty="0"/>
+              <a:t>The combined data set has 1044 observations and 33 attributes, consisting of 4 nominal, 13 binary and 16 numeric attributes, three numeric attributes being grades (G1, G2 and G3) following a 20-point grading scale. Attribute G3 contains the final grade. A "Result" binary attribute column was added with a value of 0 for fails (G3 less than 10) and a value of 1 for passes (G3 greater or equal to 10). Based on the "Result" attribute, the dataset was found to be unbalanced, with 78% passes and 22% fails, which shall be considered when evaluating predictive model performance.</a:t>
+            </a:r>
+          </a:p>
+          <a:p>
+            <a:pPr algn="l"/>
+            <a:endParaRPr lang="en-GB" sz="1400" b="1" dirty="0"/>
+          </a:p>
+          <a:p>
+            <a:pPr algn="l"/>
+            <a:r>
+              <a:rPr lang="en-GB" sz="1400" b="1" dirty="0"/>
+              <a:t>In Fig. 1, the scatter plots show that there is strong correlation between the prior (G1, G2) and final (G3) grades and also between prior grades. The plots also show that there are outliers: data points where the final grade is zero. The data source does not explain why these grades are zero - if we assume the most likely explanation is that the student did not take the exam we could consider eliminating these from the analysis or perform analyses with and without these points.</a:t>
+            </a:r>
+          </a:p>
+          <a:p>
+            <a:pPr algn="l"/>
+            <a:endParaRPr lang="en-GB" sz="1400" b="1" dirty="0"/>
+          </a:p>
+          <a:p>
+            <a:pPr algn="l"/>
+            <a:r>
+              <a:rPr lang="en-GB" sz="1400" b="1" dirty="0"/>
+              <a:t>The histograms imply that Final Grades are higher for students with internet access, no romantic relationship and extra-curricular activities. Statistical means are higher for these subsets.</a:t>
+            </a:r>
+          </a:p>
+          <a:p>
+            <a:pPr algn="l"/>
+            <a:endParaRPr lang="en-GB" sz="1400" b="1" dirty="0"/>
+          </a:p>
+          <a:p>
+            <a:pPr algn="l"/>
+            <a:r>
+              <a:rPr lang="en-GB" sz="1400" b="1" dirty="0"/>
+              <a:t>The box plots suggest that students with some free time (</a:t>
+            </a:r>
+            <a:r>
+              <a:rPr lang="en-GB" sz="1400" b="1" dirty="0" err="1"/>
+              <a:t>freetime</a:t>
+            </a:r>
+            <a:r>
+              <a:rPr lang="en-GB" sz="1400" b="1" dirty="0"/>
+              <a:t>) and moderate amounts of alcohol intake during weekdays (</a:t>
+            </a:r>
+            <a:r>
+              <a:rPr lang="en-GB" sz="1400" b="1" dirty="0" err="1"/>
+              <a:t>Dalc</a:t>
+            </a:r>
+            <a:r>
+              <a:rPr lang="en-GB" sz="1400" b="1" dirty="0"/>
+              <a:t>) and weekends (</a:t>
+            </a:r>
+            <a:r>
+              <a:rPr lang="en-GB" sz="1400" b="1" dirty="0" err="1"/>
+              <a:t>Walc</a:t>
+            </a:r>
+            <a:r>
+              <a:rPr lang="en-GB" sz="1400" b="1" dirty="0"/>
+              <a:t>) have higher mean grades. According to the data source[5], attribute "Health" is described as "current health status (numeric: from 1 – very bad to 5 – very good)". Given the "health" by final grade "G3" box plot shows that students in poorest health states have achieved highest mean grades, the described gradient is assumed to be inverted. </a:t>
+            </a:r>
+          </a:p>
+          <a:p>
+            <a:pPr algn="l"/>
+            <a:endParaRPr lang="en-GB" sz="1400" b="1" dirty="0"/>
+          </a:p>
+          <a:p>
+            <a:pPr algn="l"/>
+            <a:r>
+              <a:rPr lang="en-GB" sz="1400" b="1" dirty="0"/>
+              <a:t>Additional data analysis box plots (not shown in Fig. 1), plotting “quality of family relationships (numeric: from 1 – very bad to 5 – excellent) versus final grade, show students with better family relationships have higher mean grades, the same being the case for students with parents with higher levels of education (numeric attributes </a:t>
+            </a:r>
+            <a:r>
+              <a:rPr lang="en-GB" sz="1400" b="1" dirty="0" err="1"/>
+              <a:t>Medu</a:t>
+            </a:r>
+            <a:r>
+              <a:rPr lang="en-GB" sz="1400" b="1" dirty="0"/>
+              <a:t> and </a:t>
+            </a:r>
+            <a:r>
+              <a:rPr lang="en-GB" sz="1400" b="1" dirty="0" err="1"/>
+              <a:t>Fedu</a:t>
+            </a:r>
+            <a:r>
+              <a:rPr lang="en-GB" sz="1400" b="1" dirty="0"/>
+              <a:t>).</a:t>
+            </a:r>
+          </a:p>
+        </p:txBody>
+      </p:sp>
+      <p:sp>
+        <p:nvSpPr>
+          <p:cNvPr id="19" name="Title 3"/>
+          <p:cNvSpPr txBox="1">
+            <a:spLocks/>
+          </p:cNvSpPr>
+          <p:nvPr/>
+        </p:nvSpPr>
+        <p:spPr>
+          <a:xfrm>
+            <a:off x="515258" y="8844303"/>
+            <a:ext cx="10152742" cy="3430244"/>
           </a:xfrm>
           <a:prstGeom prst="rect">
             <a:avLst/>
           </a:prstGeom>
           <a:solidFill>
             <a:schemeClr val="accent2"/>
+          </a:solidFill>
+        </p:spPr>
+        <p:txBody>
+          <a:bodyPr vert="horz" lIns="91440" tIns="45720" rIns="91440" bIns="45720" rtlCol="0" anchor="t">
+            <a:normAutofit/>
+          </a:bodyPr>
+          <a:lstStyle>
+            <a:lvl1pPr algn="ctr" defTabSz="2138324" rtl="0" eaLnBrk="1" latinLnBrk="0" hangingPunct="1">
+              <a:lnSpc>
+                <a:spcPct val="90000"/>
+              </a:lnSpc>
+              <a:spcBef>
+                <a:spcPct val="0"/>
+              </a:spcBef>
+              <a:buNone/>
+              <a:defRPr sz="14031" kern="1200">
+                <a:solidFill>
+                  <a:schemeClr val="tx1"/>
+                </a:solidFill>
+                <a:latin typeface="+mj-lt"/>
+                <a:ea typeface="+mj-ea"/>
+                <a:cs typeface="+mj-cs"/>
+              </a:defRPr>
+            </a:lvl1pPr>
+          </a:lstStyle>
+          <a:p>
+            <a:pPr algn="l"/>
+            <a:r>
+              <a:rPr lang="en-GB" sz="2400" b="1" dirty="0"/>
+              <a:t>Naïve Bayes</a:t>
+            </a:r>
+          </a:p>
+        </p:txBody>
+      </p:sp>
+      <p:sp>
+        <p:nvSpPr>
+          <p:cNvPr id="20" name="Title 3"/>
+          <p:cNvSpPr txBox="1">
+            <a:spLocks/>
+          </p:cNvSpPr>
+          <p:nvPr/>
+        </p:nvSpPr>
+        <p:spPr>
+          <a:xfrm>
+            <a:off x="10896601" y="8807239"/>
+            <a:ext cx="9989456" cy="3467307"/>
+          </a:xfrm>
+          <a:prstGeom prst="rect">
+            <a:avLst/>
+          </a:prstGeom>
+          <a:solidFill>
+            <a:schemeClr val="accent2"/>
+          </a:solidFill>
+        </p:spPr>
+        <p:txBody>
+          <a:bodyPr vert="horz" lIns="91440" tIns="45720" rIns="91440" bIns="45720" rtlCol="0" anchor="t">
+            <a:normAutofit/>
+          </a:bodyPr>
+          <a:lstStyle>
+            <a:lvl1pPr algn="ctr" defTabSz="2138324" rtl="0" eaLnBrk="1" latinLnBrk="0" hangingPunct="1">
+              <a:lnSpc>
+                <a:spcPct val="90000"/>
+              </a:lnSpc>
+              <a:spcBef>
+                <a:spcPct val="0"/>
+              </a:spcBef>
+              <a:buNone/>
+              <a:defRPr sz="14031" kern="1200">
+                <a:solidFill>
+                  <a:schemeClr val="tx1"/>
+                </a:solidFill>
+                <a:latin typeface="+mj-lt"/>
+                <a:ea typeface="+mj-ea"/>
+                <a:cs typeface="+mj-cs"/>
+              </a:defRPr>
+            </a:lvl1pPr>
+          </a:lstStyle>
+          <a:p>
+            <a:pPr algn="l"/>
+            <a:r>
+              <a:rPr lang="en-GB" sz="2400" b="1" dirty="0"/>
+              <a:t>Random Forests</a:t>
+            </a:r>
+          </a:p>
+        </p:txBody>
+      </p:sp>
+      <p:sp>
+        <p:nvSpPr>
+          <p:cNvPr id="21" name="Title 3"/>
+          <p:cNvSpPr txBox="1">
+            <a:spLocks/>
+          </p:cNvSpPr>
+          <p:nvPr/>
+        </p:nvSpPr>
+        <p:spPr>
+          <a:xfrm>
+            <a:off x="515258" y="12462547"/>
+            <a:ext cx="10152742" cy="2363541"/>
+          </a:xfrm>
+          <a:prstGeom prst="rect">
+            <a:avLst/>
+          </a:prstGeom>
+          <a:solidFill>
+            <a:schemeClr val="accent2"/>
+          </a:solidFill>
+        </p:spPr>
+        <p:txBody>
+          <a:bodyPr vert="horz" lIns="91440" tIns="45720" rIns="91440" bIns="45720" rtlCol="0" anchor="t">
+            <a:normAutofit/>
+          </a:bodyPr>
+          <a:lstStyle>
+            <a:lvl1pPr algn="ctr" defTabSz="2138324" rtl="0" eaLnBrk="1" latinLnBrk="0" hangingPunct="1">
+              <a:lnSpc>
+                <a:spcPct val="90000"/>
+              </a:lnSpc>
+              <a:spcBef>
+                <a:spcPct val="0"/>
+              </a:spcBef>
+              <a:buNone/>
+              <a:defRPr sz="14031" kern="1200">
+                <a:solidFill>
+                  <a:schemeClr val="tx1"/>
+                </a:solidFill>
+                <a:latin typeface="+mj-lt"/>
+                <a:ea typeface="+mj-ea"/>
+                <a:cs typeface="+mj-cs"/>
+              </a:defRPr>
+            </a:lvl1pPr>
+          </a:lstStyle>
+          <a:p>
+            <a:pPr algn="l"/>
+            <a:r>
+              <a:rPr lang="en-GB" sz="2400" b="1" dirty="0"/>
+              <a:t>Hypothesis statement</a:t>
+            </a:r>
+          </a:p>
+        </p:txBody>
+      </p:sp>
+      <p:sp>
+        <p:nvSpPr>
+          <p:cNvPr id="13" name="Title 3"/>
+          <p:cNvSpPr txBox="1">
+            <a:spLocks/>
+          </p:cNvSpPr>
+          <p:nvPr/>
+        </p:nvSpPr>
+        <p:spPr>
+          <a:xfrm>
+            <a:off x="515256" y="28051914"/>
+            <a:ext cx="20347565" cy="1761330"/>
+          </a:xfrm>
+          <a:prstGeom prst="rect">
+            <a:avLst/>
+          </a:prstGeom>
+          <a:solidFill>
+            <a:schemeClr val="accent2"/>
+          </a:solidFill>
+        </p:spPr>
+        <p:txBody>
+          <a:bodyPr vert="horz" lIns="91440" tIns="45720" rIns="91440" bIns="45720" rtlCol="0" anchor="t">
+            <a:normAutofit/>
+          </a:bodyPr>
+          <a:lstStyle>
+            <a:lvl1pPr algn="ctr" defTabSz="2138324" rtl="0" eaLnBrk="1" latinLnBrk="0" hangingPunct="1">
+              <a:lnSpc>
+                <a:spcPct val="90000"/>
+              </a:lnSpc>
+              <a:spcBef>
+                <a:spcPct val="0"/>
+              </a:spcBef>
+              <a:buNone/>
+              <a:defRPr sz="14031" kern="1200">
+                <a:solidFill>
+                  <a:schemeClr val="tx1"/>
+                </a:solidFill>
+                <a:latin typeface="+mj-lt"/>
+                <a:ea typeface="+mj-ea"/>
+                <a:cs typeface="+mj-cs"/>
+              </a:defRPr>
+            </a:lvl1pPr>
+          </a:lstStyle>
+          <a:p>
+            <a:pPr algn="l"/>
+            <a:r>
+              <a:rPr lang="en-GB" sz="1400" b="1" dirty="0"/>
+              <a:t>References</a:t>
+            </a:r>
+          </a:p>
+          <a:p>
+            <a:pPr algn="l"/>
+            <a:r>
+              <a:rPr lang="en-GB" sz="1400" b="1" dirty="0"/>
+              <a:t>[1] Belfield, C. (2008) Cost of Early School-Leaving and School Failure (p. 48). New York: Economics department, City University of New York</a:t>
+            </a:r>
+          </a:p>
+          <a:p>
+            <a:pPr algn="l"/>
+            <a:r>
+              <a:rPr lang="en-GB" sz="1400" b="1" dirty="0"/>
+              <a:t>[2] Brunello, G. &amp; Paola, M.D. 2014, "The costs of early school leaving in Europe", IZA Journal of </a:t>
+            </a:r>
+            <a:r>
+              <a:rPr lang="en-GB" sz="1400" b="1" dirty="0" err="1"/>
+              <a:t>Labor</a:t>
+            </a:r>
+            <a:r>
+              <a:rPr lang="en-GB" sz="1400" b="1" dirty="0"/>
+              <a:t> Policy, vol. 3, no. 1, pp. 1-31.</a:t>
+            </a:r>
+          </a:p>
+          <a:p>
+            <a:pPr algn="l"/>
+            <a:r>
+              <a:rPr lang="en-GB" sz="1400" b="1" dirty="0"/>
+              <a:t>[3] Fernandez-Gutierrez, M. &amp; Martinez, J. 2014, "THE NON-MONETARY COSTS OF EARLY SCHOOL LEAVING: ESTIMATION IN TERMS OF YEARS OF GOOD HEALTH", EDUCACION XX1, vol. 17, no. 2, pp. 241-263.</a:t>
+            </a:r>
+          </a:p>
+          <a:p>
+            <a:pPr algn="l"/>
+            <a:r>
+              <a:rPr lang="en-GB" sz="1400" b="1" dirty="0"/>
+              <a:t>[4] Meier, Y., Xu, J., </a:t>
+            </a:r>
+            <a:r>
+              <a:rPr lang="en-GB" sz="1400" b="1" dirty="0" err="1"/>
+              <a:t>Atan</a:t>
+            </a:r>
+            <a:r>
+              <a:rPr lang="en-GB" sz="1400" b="1" dirty="0"/>
+              <a:t>, O. &amp; van der </a:t>
+            </a:r>
+            <a:r>
+              <a:rPr lang="en-GB" sz="1400" b="1" dirty="0" err="1"/>
+              <a:t>Schaar</a:t>
+            </a:r>
+            <a:r>
+              <a:rPr lang="en-GB" sz="1400" b="1" dirty="0"/>
+              <a:t>, M. 2016;2015;, "Predicting Grades", IEEE Transactions on Signal Processing, vol. 64, no. 4, pp. 959-972.</a:t>
+            </a:r>
+          </a:p>
+          <a:p>
+            <a:pPr algn="l"/>
+            <a:r>
+              <a:rPr lang="en-GB" sz="1400" b="1" dirty="0"/>
+              <a:t>[5] P. Cortez and A. Silva. Using Data Mining to Predict Secondary School Student Performance. In A. Brito and J. </a:t>
+            </a:r>
+            <a:r>
+              <a:rPr lang="en-GB" sz="1400" b="1" dirty="0" err="1"/>
+              <a:t>Teixeira</a:t>
+            </a:r>
+            <a:r>
+              <a:rPr lang="en-GB" sz="1400" b="1" dirty="0"/>
+              <a:t> Eds., Proceedings of 5th </a:t>
+            </a:r>
+            <a:r>
+              <a:rPr lang="en-GB" sz="1400" b="1" dirty="0" err="1"/>
+              <a:t>FUture</a:t>
+            </a:r>
+            <a:r>
+              <a:rPr lang="en-GB" sz="1400" b="1" dirty="0"/>
+              <a:t> </a:t>
+            </a:r>
+            <a:r>
+              <a:rPr lang="en-GB" sz="1400" b="1" dirty="0" err="1"/>
+              <a:t>BUsiness</a:t>
+            </a:r>
+            <a:r>
+              <a:rPr lang="en-GB" sz="1400" b="1" dirty="0"/>
+              <a:t> </a:t>
+            </a:r>
+            <a:r>
+              <a:rPr lang="en-GB" sz="1400" b="1" dirty="0" err="1"/>
+              <a:t>TEChnology</a:t>
+            </a:r>
+            <a:r>
+              <a:rPr lang="en-GB" sz="1400" b="1" dirty="0"/>
+              <a:t> Conference (FUBUTEC 2008) pp. 5-12, Porto, Portugal, April, 2008, EUROSIS, ISBN 978-9077381-39-7.</a:t>
+            </a:r>
+          </a:p>
+          <a:p>
+            <a:pPr algn="l"/>
+            <a:r>
+              <a:rPr lang="en-GB" sz="1400" b="1" dirty="0"/>
+              <a:t>[6] https://archive.ics.uci.edu/ml/datasets/Student+Performances Retrieved 23.11.2019</a:t>
+            </a:r>
+          </a:p>
+        </p:txBody>
+      </p:sp>
+      <p:sp>
+        <p:nvSpPr>
+          <p:cNvPr id="14" name="Title 3"/>
+          <p:cNvSpPr txBox="1">
+            <a:spLocks/>
+          </p:cNvSpPr>
+          <p:nvPr/>
+        </p:nvSpPr>
+        <p:spPr>
+          <a:xfrm>
+            <a:off x="515257" y="26290584"/>
+            <a:ext cx="20347566" cy="1438725"/>
+          </a:xfrm>
+          <a:prstGeom prst="rect">
+            <a:avLst/>
+          </a:prstGeom>
+          <a:solidFill>
+            <a:schemeClr val="accent2"/>
+          </a:solidFill>
+        </p:spPr>
+        <p:txBody>
+          <a:bodyPr vert="horz" lIns="91440" tIns="45720" rIns="91440" bIns="45720" rtlCol="0" anchor="t">
+            <a:normAutofit/>
+          </a:bodyPr>
+          <a:lstStyle>
+            <a:lvl1pPr algn="ctr" defTabSz="2138324" rtl="0" eaLnBrk="1" latinLnBrk="0" hangingPunct="1">
+              <a:lnSpc>
+                <a:spcPct val="90000"/>
+              </a:lnSpc>
+              <a:spcBef>
+                <a:spcPct val="0"/>
+              </a:spcBef>
+              <a:buNone/>
+              <a:defRPr sz="14031" kern="1200">
+                <a:solidFill>
+                  <a:schemeClr val="tx1"/>
+                </a:solidFill>
+                <a:latin typeface="+mj-lt"/>
+                <a:ea typeface="+mj-ea"/>
+                <a:cs typeface="+mj-cs"/>
+              </a:defRPr>
+            </a:lvl1pPr>
+          </a:lstStyle>
+          <a:p>
+            <a:pPr algn="l"/>
+            <a:r>
+              <a:rPr lang="en-GB" sz="2400" b="1" dirty="0"/>
+              <a:t>Lessons learned and future work</a:t>
+            </a:r>
+          </a:p>
+        </p:txBody>
+      </p:sp>
+      <p:sp>
+        <p:nvSpPr>
+          <p:cNvPr id="15" name="Title 3"/>
+          <p:cNvSpPr txBox="1">
+            <a:spLocks/>
+          </p:cNvSpPr>
+          <p:nvPr/>
+        </p:nvSpPr>
+        <p:spPr>
+          <a:xfrm>
+            <a:off x="515258" y="18901539"/>
+            <a:ext cx="13938162" cy="7066441"/>
+          </a:xfrm>
+          <a:prstGeom prst="rect">
+            <a:avLst/>
+          </a:prstGeom>
+          <a:solidFill>
+            <a:schemeClr val="accent2"/>
+          </a:solidFill>
+        </p:spPr>
+        <p:txBody>
+          <a:bodyPr vert="horz" lIns="91440" tIns="45720" rIns="91440" bIns="45720" rtlCol="0" anchor="t">
+            <a:normAutofit/>
+          </a:bodyPr>
+          <a:lstStyle>
+            <a:lvl1pPr algn="ctr" defTabSz="2138324" rtl="0" eaLnBrk="1" latinLnBrk="0" hangingPunct="1">
+              <a:lnSpc>
+                <a:spcPct val="90000"/>
+              </a:lnSpc>
+              <a:spcBef>
+                <a:spcPct val="0"/>
+              </a:spcBef>
+              <a:buNone/>
+              <a:defRPr sz="14031" kern="1200">
+                <a:solidFill>
+                  <a:schemeClr val="tx1"/>
+                </a:solidFill>
+                <a:latin typeface="+mj-lt"/>
+                <a:ea typeface="+mj-ea"/>
+                <a:cs typeface="+mj-cs"/>
+              </a:defRPr>
+            </a:lvl1pPr>
+          </a:lstStyle>
+          <a:p>
+            <a:pPr algn="l"/>
+            <a:r>
+              <a:rPr lang="en-GB" sz="2400" b="1" dirty="0"/>
+              <a:t>Analysis and critical evaluation of results</a:t>
+            </a:r>
+          </a:p>
+          <a:p>
+            <a:pPr algn="l"/>
+            <a:endParaRPr lang="en-GB" sz="4400" b="1" dirty="0"/>
+          </a:p>
+          <a:p>
+            <a:pPr algn="l"/>
+            <a:endParaRPr lang="en-GB" sz="4400" b="1" dirty="0"/>
+          </a:p>
+        </p:txBody>
+      </p:sp>
+      <p:pic>
+        <p:nvPicPr>
+          <p:cNvPr id="3" name="Picture 2">
+            <a:extLst>
+              <a:ext uri="{FF2B5EF4-FFF2-40B4-BE49-F238E27FC236}">
+                <a16:creationId xmlns:a16="http://schemas.microsoft.com/office/drawing/2014/main" id="{A7A5CA91-C490-4A7C-AACE-3BD740DD146B}"/>
+              </a:ext>
+            </a:extLst>
+          </p:cNvPr>
+          <p:cNvPicPr>
+            <a:picLocks noChangeAspect="1"/>
+          </p:cNvPicPr>
+          <p:nvPr/>
+        </p:nvPicPr>
+        <p:blipFill>
+          <a:blip r:embed="rId3">
+            <a:extLst>
+              <a:ext uri="{28A0092B-C50C-407E-A947-70E740481C1C}">
+                <a14:useLocalDpi xmlns:a14="http://schemas.microsoft.com/office/drawing/2010/main" val="0"/>
+              </a:ext>
+            </a:extLst>
+          </a:blip>
+          <a:stretch>
+            <a:fillRect/>
+          </a:stretch>
+        </p:blipFill>
+        <p:spPr>
+          <a:xfrm>
+            <a:off x="12075531" y="3098182"/>
+            <a:ext cx="4291835" cy="2779292"/>
+          </a:xfrm>
+          <a:prstGeom prst="rect">
+            <a:avLst/>
+          </a:prstGeom>
+        </p:spPr>
+      </p:pic>
+      <p:pic>
+        <p:nvPicPr>
+          <p:cNvPr id="5" name="Picture 4">
+            <a:extLst>
+              <a:ext uri="{FF2B5EF4-FFF2-40B4-BE49-F238E27FC236}">
+                <a16:creationId xmlns:a16="http://schemas.microsoft.com/office/drawing/2014/main" id="{DD386F63-1380-4146-A924-EDD71CA1977C}"/>
+              </a:ext>
+            </a:extLst>
+          </p:cNvPr>
+          <p:cNvPicPr>
+            <a:picLocks noChangeAspect="1"/>
+          </p:cNvPicPr>
+          <p:nvPr/>
+        </p:nvPicPr>
+        <p:blipFill>
+          <a:blip r:embed="rId4">
+            <a:extLst>
+              <a:ext uri="{28A0092B-C50C-407E-A947-70E740481C1C}">
+                <a14:useLocalDpi xmlns:a14="http://schemas.microsoft.com/office/drawing/2010/main" val="0"/>
+              </a:ext>
+            </a:extLst>
+          </a:blip>
+          <a:stretch>
+            <a:fillRect/>
+          </a:stretch>
+        </p:blipFill>
+        <p:spPr>
+          <a:xfrm>
+            <a:off x="16367367" y="3028287"/>
+            <a:ext cx="4495456" cy="2974214"/>
+          </a:xfrm>
+          <a:prstGeom prst="rect">
+            <a:avLst/>
+          </a:prstGeom>
+        </p:spPr>
+      </p:pic>
+      <p:pic>
+        <p:nvPicPr>
+          <p:cNvPr id="25" name="Picture 24">
+            <a:extLst>
+              <a:ext uri="{FF2B5EF4-FFF2-40B4-BE49-F238E27FC236}">
+                <a16:creationId xmlns:a16="http://schemas.microsoft.com/office/drawing/2014/main" id="{CFE0388F-463F-4860-A0FD-216046E581B0}"/>
+              </a:ext>
+            </a:extLst>
+          </p:cNvPr>
+          <p:cNvPicPr>
+            <a:picLocks noChangeAspect="1"/>
+          </p:cNvPicPr>
+          <p:nvPr/>
+        </p:nvPicPr>
+        <p:blipFill>
+          <a:blip r:embed="rId5" cstate="print">
+            <a:extLst>
+              <a:ext uri="{28A0092B-C50C-407E-A947-70E740481C1C}">
+                <a14:useLocalDpi xmlns:a14="http://schemas.microsoft.com/office/drawing/2010/main" val="0"/>
+              </a:ext>
+            </a:extLst>
+          </a:blip>
+          <a:stretch>
+            <a:fillRect/>
+          </a:stretch>
+        </p:blipFill>
+        <p:spPr>
+          <a:xfrm>
+            <a:off x="12185374" y="5957843"/>
+            <a:ext cx="4421424" cy="2377669"/>
+          </a:xfrm>
+          <a:prstGeom prst="rect">
+            <a:avLst/>
+          </a:prstGeom>
+        </p:spPr>
+      </p:pic>
+      <p:pic>
+        <p:nvPicPr>
+          <p:cNvPr id="27" name="Picture 26">
+            <a:extLst>
+              <a:ext uri="{FF2B5EF4-FFF2-40B4-BE49-F238E27FC236}">
+                <a16:creationId xmlns:a16="http://schemas.microsoft.com/office/drawing/2014/main" id="{D80DC791-6E69-45DD-8016-1A5A73EF4D98}"/>
+              </a:ext>
+            </a:extLst>
+          </p:cNvPr>
+          <p:cNvPicPr>
+            <a:picLocks noChangeAspect="1"/>
+          </p:cNvPicPr>
+          <p:nvPr/>
+        </p:nvPicPr>
+        <p:blipFill>
+          <a:blip r:embed="rId6" cstate="print">
+            <a:extLst>
+              <a:ext uri="{28A0092B-C50C-407E-A947-70E740481C1C}">
+                <a14:useLocalDpi xmlns:a14="http://schemas.microsoft.com/office/drawing/2010/main" val="0"/>
+              </a:ext>
+            </a:extLst>
+          </a:blip>
+          <a:stretch>
+            <a:fillRect/>
+          </a:stretch>
+        </p:blipFill>
+        <p:spPr>
+          <a:xfrm>
+            <a:off x="16606799" y="5932606"/>
+            <a:ext cx="4261570" cy="2402906"/>
+          </a:xfrm>
+          <a:prstGeom prst="rect">
+            <a:avLst/>
+          </a:prstGeom>
+        </p:spPr>
+      </p:pic>
+      <p:sp>
+        <p:nvSpPr>
+          <p:cNvPr id="28" name="TextBox 27">
+            <a:extLst>
+              <a:ext uri="{FF2B5EF4-FFF2-40B4-BE49-F238E27FC236}">
+                <a16:creationId xmlns:a16="http://schemas.microsoft.com/office/drawing/2014/main" id="{CD20CDD7-B1D6-4C24-BE82-B5A99D3E8D2A}"/>
+              </a:ext>
+            </a:extLst>
+          </p:cNvPr>
+          <p:cNvSpPr txBox="1"/>
+          <p:nvPr/>
+        </p:nvSpPr>
+        <p:spPr>
+          <a:xfrm>
+            <a:off x="12255519" y="8234228"/>
+            <a:ext cx="4281134" cy="400110"/>
+          </a:xfrm>
+          <a:prstGeom prst="rect">
+            <a:avLst/>
+          </a:prstGeom>
+          <a:noFill/>
+        </p:spPr>
+        <p:txBody>
+          <a:bodyPr wrap="square" rtlCol="0">
+            <a:spAutoFit/>
+          </a:bodyPr>
+          <a:lstStyle/>
+          <a:p>
+            <a:r>
+              <a:rPr lang="en-GB" sz="2000" dirty="0"/>
+              <a:t>Fig. 1</a:t>
+            </a:r>
+          </a:p>
+        </p:txBody>
+      </p:sp>
+      <p:sp>
+        <p:nvSpPr>
+          <p:cNvPr id="29" name="Title 3">
+            <a:extLst>
+              <a:ext uri="{FF2B5EF4-FFF2-40B4-BE49-F238E27FC236}">
+                <a16:creationId xmlns:a16="http://schemas.microsoft.com/office/drawing/2014/main" id="{2516BFD8-932A-4B52-83CF-25FDB6F0883D}"/>
+              </a:ext>
+            </a:extLst>
+          </p:cNvPr>
+          <p:cNvSpPr txBox="1">
+            <a:spLocks/>
+          </p:cNvSpPr>
+          <p:nvPr/>
+        </p:nvSpPr>
+        <p:spPr>
+          <a:xfrm>
+            <a:off x="497568" y="8411800"/>
+            <a:ext cx="10127323" cy="420145"/>
+          </a:xfrm>
+          <a:prstGeom prst="rect">
+            <a:avLst/>
+          </a:prstGeom>
+          <a:solidFill>
+            <a:schemeClr val="bg1"/>
           </a:solidFill>
         </p:spPr>
         <p:txBody>
@@ -3164,34 +4139,25 @@
           <a:p>
             <a:pPr algn="l"/>
             <a:r>
-              <a:rPr lang="en-GB" sz="2400" b="1" dirty="0" smtClean="0"/>
-              <a:t>Description and motivation</a:t>
-            </a:r>
-          </a:p>
-          <a:p>
-            <a:pPr algn="l"/>
-            <a:r>
-              <a:rPr lang="en-GB" sz="1400" b="1" dirty="0"/>
-              <a:t>Studies in Europe and the US have shown the fiscal and social costs of early school leaving, which typically reduces lifetime earnings and leads to higher unemployment incidence and duration, while the benefits of education include gain in net earnings and wealth, improved health status / life expectancy, lower reliance on government health and welfare programs and reduced expenditures on criminal justice [1][2][3].</a:t>
-            </a:r>
-          </a:p>
-          <a:p>
-            <a:pPr algn="l"/>
-            <a:endParaRPr lang="en-GB" sz="1400" b="1" dirty="0"/>
-          </a:p>
-          <a:p>
-            <a:pPr algn="l"/>
-            <a:r>
-              <a:rPr lang="en-GB" sz="1400" b="1" dirty="0"/>
-              <a:t>One important problem is to automatically detect students that are going to do poorly in a course early enough to be able to take remedial actions [4]. A number of Machine Learning algorithms have been used in student grade prediction. We base our study on prior work [5], using &lt;machine learning model 1&gt; and &lt;machine learning model 2&gt; applied to secondary school student performance data.</a:t>
-            </a:r>
-            <a:endParaRPr lang="en-GB" sz="1400" b="1" dirty="0"/>
-          </a:p>
-        </p:txBody>
-      </p:sp>
-      <p:sp>
-        <p:nvSpPr>
-          <p:cNvPr id="12" name="Title 3"/>
+              <a:rPr lang="en-GB" sz="2400" b="1" dirty="0">
+                <a:solidFill>
+                  <a:srgbClr val="FF0000"/>
+                </a:solidFill>
+              </a:rPr>
+              <a:t>Two models with their pros and cons</a:t>
+            </a:r>
+          </a:p>
+        </p:txBody>
+      </p:sp>
+      <p:sp>
+        <p:nvSpPr>
+          <p:cNvPr id="30" name="Title 3">
+            <a:extLst>
+              <a:ext uri="{FF2B5EF4-FFF2-40B4-BE49-F238E27FC236}">
+                <a16:creationId xmlns:a16="http://schemas.microsoft.com/office/drawing/2014/main" id="{BF88032E-1CE5-43F6-A346-5E2AA527AB17}"/>
+              </a:ext>
+            </a:extLst>
+          </p:cNvPr>
           <p:cNvSpPr txBox="1">
             <a:spLocks/>
           </p:cNvSpPr>
@@ -3199,14 +4165,14 @@
         </p:nvSpPr>
         <p:spPr>
           <a:xfrm>
-            <a:off x="12406718" y="4037689"/>
-            <a:ext cx="8236226" cy="4191911"/>
+            <a:off x="10896601" y="12462547"/>
+            <a:ext cx="9989455" cy="2363541"/>
           </a:xfrm>
           <a:prstGeom prst="rect">
             <a:avLst/>
           </a:prstGeom>
           <a:solidFill>
-            <a:schemeClr val="accent1"/>
+            <a:schemeClr val="accent2"/>
           </a:solidFill>
         </p:spPr>
         <p:txBody>
@@ -3233,17 +4199,23 @@
             </a:lvl1pPr>
           </a:lstStyle>
           <a:p>
-            <a:r>
-              <a:rPr lang="en-GB" sz="4000" dirty="0" smtClean="0"/>
-              <a:t>IMAGE stats</a:t>
-            </a:r>
-            <a:endParaRPr lang="en-GB" sz="4000" dirty="0"/>
-          </a:p>
-        </p:txBody>
-      </p:sp>
-      <p:sp>
-        <p:nvSpPr>
-          <p:cNvPr id="16" name="Title 3"/>
+            <a:pPr algn="l"/>
+            <a:r>
+              <a:rPr lang="en-GB" sz="2400" b="1" dirty="0"/>
+              <a:t>Description of choice of training and evaluation methodology</a:t>
+            </a:r>
+          </a:p>
+        </p:txBody>
+      </p:sp>
+      <p:sp>
+        <p:nvSpPr>
+          <p:cNvPr id="31" name="Title 3">
+            <a:extLst>
+              <a:ext uri="{FF2B5EF4-FFF2-40B4-BE49-F238E27FC236}">
+                <a16:creationId xmlns:a16="http://schemas.microsoft.com/office/drawing/2014/main" id="{C09BDECB-2B63-4D48-9A60-8F8596811049}"/>
+              </a:ext>
+            </a:extLst>
+          </p:cNvPr>
           <p:cNvSpPr txBox="1">
             <a:spLocks/>
           </p:cNvSpPr>
@@ -3251,19 +4223,19 @@
         </p:nvSpPr>
         <p:spPr>
           <a:xfrm>
-            <a:off x="12406718" y="12599304"/>
-            <a:ext cx="8236226" cy="5173439"/>
+            <a:off x="451776" y="14820401"/>
+            <a:ext cx="10127323" cy="420145"/>
           </a:xfrm>
           <a:prstGeom prst="rect">
             <a:avLst/>
           </a:prstGeom>
           <a:solidFill>
-            <a:schemeClr val="accent1"/>
+            <a:schemeClr val="bg1"/>
           </a:solidFill>
         </p:spPr>
         <p:txBody>
-          <a:bodyPr vert="horz" lIns="91440" tIns="45720" rIns="91440" bIns="45720" rtlCol="0" anchor="b">
-            <a:normAutofit/>
+          <a:bodyPr vert="horz" lIns="91440" tIns="45720" rIns="91440" bIns="45720" rtlCol="0" anchor="t">
+            <a:normAutofit lnSpcReduction="10000"/>
           </a:bodyPr>
           <a:lstStyle>
             <a:lvl1pPr algn="ctr" defTabSz="2138324" rtl="0" eaLnBrk="1" latinLnBrk="0" hangingPunct="1">
@@ -3285,17 +4257,27 @@
             </a:lvl1pPr>
           </a:lstStyle>
           <a:p>
-            <a:r>
-              <a:rPr lang="en-GB" sz="2400" dirty="0" smtClean="0"/>
-              <a:t>IMAGE HOLDER</a:t>
-            </a:r>
-            <a:endParaRPr lang="en-GB" sz="2400" dirty="0"/>
-          </a:p>
-        </p:txBody>
-      </p:sp>
-      <p:sp>
-        <p:nvSpPr>
-          <p:cNvPr id="17" name="Title 3"/>
+            <a:pPr algn="l"/>
+            <a:r>
+              <a:rPr lang="en-GB" sz="2400" b="1" dirty="0">
+                <a:solidFill>
+                  <a:srgbClr val="FF0000"/>
+                </a:solidFill>
+              </a:rPr>
+              <a:t>Choice of parameters and experimental results</a:t>
+            </a:r>
+          </a:p>
+        </p:txBody>
+      </p:sp>
+      <p:sp>
+        <p:nvSpPr>
+          <p:cNvPr id="32" name="Title 3">
+            <a:extLst>
+              <a:ext uri="{FF2B5EF4-FFF2-40B4-BE49-F238E27FC236}">
+                <a16:creationId xmlns:a16="http://schemas.microsoft.com/office/drawing/2014/main" id="{E2A73762-B36F-4C61-931F-D80A17BD9B84}"/>
+              </a:ext>
+            </a:extLst>
+          </p:cNvPr>
           <p:cNvSpPr txBox="1">
             <a:spLocks/>
           </p:cNvSpPr>
@@ -3303,60 +4285,8 @@
         </p:nvSpPr>
         <p:spPr>
           <a:xfrm>
-            <a:off x="515257" y="18417953"/>
-            <a:ext cx="20127686" cy="2363541"/>
-          </a:xfrm>
-          <a:prstGeom prst="rect">
-            <a:avLst/>
-          </a:prstGeom>
-          <a:solidFill>
-            <a:schemeClr val="accent1"/>
-          </a:solidFill>
-        </p:spPr>
-        <p:txBody>
-          <a:bodyPr vert="horz" lIns="91440" tIns="45720" rIns="91440" bIns="45720" rtlCol="0" anchor="b">
-            <a:normAutofit/>
-          </a:bodyPr>
-          <a:lstStyle>
-            <a:lvl1pPr algn="ctr" defTabSz="2138324" rtl="0" eaLnBrk="1" latinLnBrk="0" hangingPunct="1">
-              <a:lnSpc>
-                <a:spcPct val="90000"/>
-              </a:lnSpc>
-              <a:spcBef>
-                <a:spcPct val="0"/>
-              </a:spcBef>
-              <a:buNone/>
-              <a:defRPr sz="14031" kern="1200">
-                <a:solidFill>
-                  <a:schemeClr val="tx1"/>
-                </a:solidFill>
-                <a:latin typeface="+mj-lt"/>
-                <a:ea typeface="+mj-ea"/>
-                <a:cs typeface="+mj-cs"/>
-              </a:defRPr>
-            </a:lvl1pPr>
-          </a:lstStyle>
-          <a:p>
-            <a:r>
-              <a:rPr lang="en-GB" sz="2400" dirty="0" smtClean="0"/>
-              <a:t>IMAGE HOLDER</a:t>
-            </a:r>
-            <a:endParaRPr lang="en-GB" sz="2400" dirty="0"/>
-          </a:p>
-        </p:txBody>
-      </p:sp>
-      <p:sp>
-        <p:nvSpPr>
-          <p:cNvPr id="18" name="Title 3"/>
-          <p:cNvSpPr txBox="1">
-            <a:spLocks/>
-          </p:cNvSpPr>
-          <p:nvPr/>
-        </p:nvSpPr>
-        <p:spPr>
-          <a:xfrm>
-            <a:off x="515258" y="4029523"/>
-            <a:ext cx="11486242" cy="4200077"/>
+            <a:off x="515257" y="15137607"/>
+            <a:ext cx="7090229" cy="3622342"/>
           </a:xfrm>
           <a:prstGeom prst="rect">
             <a:avLst/>
@@ -3391,16 +4321,21 @@
           <a:p>
             <a:pPr algn="l"/>
             <a:r>
-              <a:rPr lang="en-GB" sz="4400" b="1" dirty="0" smtClean="0"/>
-              <a:t>INITIAL ANALYSIS OF DATASET</a:t>
-            </a:r>
-            <a:endParaRPr lang="en-GB" sz="4400" b="1" dirty="0"/>
-          </a:p>
-        </p:txBody>
-      </p:sp>
-      <p:sp>
-        <p:nvSpPr>
-          <p:cNvPr id="19" name="Title 3"/>
+              <a:rPr lang="en-GB" sz="2400" b="1" dirty="0"/>
+              <a:t>Naïve Bayes</a:t>
+            </a:r>
+          </a:p>
+        </p:txBody>
+      </p:sp>
+      <p:sp>
+        <p:nvSpPr>
+          <p:cNvPr id="33" name="Title 3">
+            <a:extLst>
+              <a:ext uri="{FF2B5EF4-FFF2-40B4-BE49-F238E27FC236}">
+                <a16:creationId xmlns:a16="http://schemas.microsoft.com/office/drawing/2014/main" id="{C3567B4F-1298-497F-946A-72CE47DF8E70}"/>
+              </a:ext>
+            </a:extLst>
+          </p:cNvPr>
           <p:cNvSpPr txBox="1">
             <a:spLocks/>
           </p:cNvSpPr>
@@ -3408,8 +4343,8 @@
         </p:nvSpPr>
         <p:spPr>
           <a:xfrm>
-            <a:off x="515258" y="8417600"/>
-            <a:ext cx="10152742" cy="3856947"/>
+            <a:off x="7808686" y="15148692"/>
+            <a:ext cx="7090229" cy="3611257"/>
           </a:xfrm>
           <a:prstGeom prst="rect">
             <a:avLst/>
@@ -3444,366 +4379,9 @@
           <a:p>
             <a:pPr algn="l"/>
             <a:r>
-              <a:rPr lang="en-GB" sz="4400" b="1" dirty="0" smtClean="0"/>
-              <a:t>NAÏVE BAYES</a:t>
-            </a:r>
-            <a:endParaRPr lang="en-GB" sz="4400" b="1" dirty="0"/>
-          </a:p>
-        </p:txBody>
-      </p:sp>
-      <p:sp>
-        <p:nvSpPr>
-          <p:cNvPr id="20" name="Title 3"/>
-          <p:cNvSpPr txBox="1">
-            <a:spLocks/>
-          </p:cNvSpPr>
-          <p:nvPr/>
-        </p:nvSpPr>
-        <p:spPr>
-          <a:xfrm>
-            <a:off x="11332405" y="8417599"/>
-            <a:ext cx="9708243" cy="3856947"/>
-          </a:xfrm>
-          <a:prstGeom prst="rect">
-            <a:avLst/>
-          </a:prstGeom>
-          <a:solidFill>
-            <a:schemeClr val="accent2"/>
-          </a:solidFill>
-        </p:spPr>
-        <p:txBody>
-          <a:bodyPr vert="horz" lIns="91440" tIns="45720" rIns="91440" bIns="45720" rtlCol="0" anchor="t">
-            <a:normAutofit/>
-          </a:bodyPr>
-          <a:lstStyle>
-            <a:lvl1pPr algn="ctr" defTabSz="2138324" rtl="0" eaLnBrk="1" latinLnBrk="0" hangingPunct="1">
-              <a:lnSpc>
-                <a:spcPct val="90000"/>
-              </a:lnSpc>
-              <a:spcBef>
-                <a:spcPct val="0"/>
-              </a:spcBef>
-              <a:buNone/>
-              <a:defRPr sz="14031" kern="1200">
-                <a:solidFill>
-                  <a:schemeClr val="tx1"/>
-                </a:solidFill>
-                <a:latin typeface="+mj-lt"/>
-                <a:ea typeface="+mj-ea"/>
-                <a:cs typeface="+mj-cs"/>
-              </a:defRPr>
-            </a:lvl1pPr>
-          </a:lstStyle>
-          <a:p>
-            <a:pPr algn="l"/>
-            <a:r>
-              <a:rPr lang="en-GB" sz="4400" b="1" dirty="0" smtClean="0"/>
-              <a:t>RANDOM FOREST</a:t>
-            </a:r>
-            <a:endParaRPr lang="en-GB" sz="4400" b="1" dirty="0"/>
-          </a:p>
-        </p:txBody>
-      </p:sp>
-      <p:sp>
-        <p:nvSpPr>
-          <p:cNvPr id="21" name="Title 3"/>
-          <p:cNvSpPr txBox="1">
-            <a:spLocks/>
-          </p:cNvSpPr>
-          <p:nvPr/>
-        </p:nvSpPr>
-        <p:spPr>
-          <a:xfrm>
-            <a:off x="515258" y="12462547"/>
-            <a:ext cx="10152742" cy="4863882"/>
-          </a:xfrm>
-          <a:prstGeom prst="rect">
-            <a:avLst/>
-          </a:prstGeom>
-          <a:solidFill>
-            <a:schemeClr val="accent2"/>
-          </a:solidFill>
-        </p:spPr>
-        <p:txBody>
-          <a:bodyPr vert="horz" lIns="91440" tIns="45720" rIns="91440" bIns="45720" rtlCol="0" anchor="t">
-            <a:normAutofit/>
-          </a:bodyPr>
-          <a:lstStyle>
-            <a:lvl1pPr algn="ctr" defTabSz="2138324" rtl="0" eaLnBrk="1" latinLnBrk="0" hangingPunct="1">
-              <a:lnSpc>
-                <a:spcPct val="90000"/>
-              </a:lnSpc>
-              <a:spcBef>
-                <a:spcPct val="0"/>
-              </a:spcBef>
-              <a:buNone/>
-              <a:defRPr sz="14031" kern="1200">
-                <a:solidFill>
-                  <a:schemeClr val="tx1"/>
-                </a:solidFill>
-                <a:latin typeface="+mj-lt"/>
-                <a:ea typeface="+mj-ea"/>
-                <a:cs typeface="+mj-cs"/>
-              </a:defRPr>
-            </a:lvl1pPr>
-          </a:lstStyle>
-          <a:p>
-            <a:pPr algn="l"/>
-            <a:r>
-              <a:rPr lang="en-GB" sz="4400" b="1" dirty="0" smtClean="0"/>
-              <a:t>Hypothesis Statement</a:t>
-            </a:r>
-            <a:endParaRPr lang="en-GB" sz="4400" b="1" dirty="0"/>
-          </a:p>
-        </p:txBody>
-      </p:sp>
-      <p:sp>
-        <p:nvSpPr>
-          <p:cNvPr id="13" name="Title 3"/>
-          <p:cNvSpPr txBox="1">
-            <a:spLocks/>
-          </p:cNvSpPr>
-          <p:nvPr/>
-        </p:nvSpPr>
-        <p:spPr>
-          <a:xfrm>
-            <a:off x="515257" y="28374518"/>
-            <a:ext cx="20127686" cy="1438725"/>
-          </a:xfrm>
-          <a:prstGeom prst="rect">
-            <a:avLst/>
-          </a:prstGeom>
-          <a:solidFill>
-            <a:schemeClr val="accent2"/>
-          </a:solidFill>
-        </p:spPr>
-        <p:txBody>
-          <a:bodyPr vert="horz" lIns="91440" tIns="45720" rIns="91440" bIns="45720" rtlCol="0" anchor="t">
-            <a:normAutofit/>
-          </a:bodyPr>
-          <a:lstStyle>
-            <a:lvl1pPr algn="ctr" defTabSz="2138324" rtl="0" eaLnBrk="1" latinLnBrk="0" hangingPunct="1">
-              <a:lnSpc>
-                <a:spcPct val="90000"/>
-              </a:lnSpc>
-              <a:spcBef>
-                <a:spcPct val="0"/>
-              </a:spcBef>
-              <a:buNone/>
-              <a:defRPr sz="14031" kern="1200">
-                <a:solidFill>
-                  <a:schemeClr val="tx1"/>
-                </a:solidFill>
-                <a:latin typeface="+mj-lt"/>
-                <a:ea typeface="+mj-ea"/>
-                <a:cs typeface="+mj-cs"/>
-              </a:defRPr>
-            </a:lvl1pPr>
-          </a:lstStyle>
-          <a:p>
-            <a:pPr algn="l"/>
-            <a:r>
-              <a:rPr lang="en-GB" sz="1400" b="1" dirty="0" smtClean="0"/>
-              <a:t>References</a:t>
-            </a:r>
-          </a:p>
-          <a:p>
-            <a:pPr algn="l"/>
-            <a:r>
-              <a:rPr lang="en-GB" sz="1400" b="1" dirty="0"/>
-              <a:t>[1] Belfield, C. (2008) Cost of Early School-Leaving and School Failure (p. 48). New York: Economics department, City University of New York</a:t>
-            </a:r>
-          </a:p>
-          <a:p>
-            <a:pPr algn="l"/>
-            <a:r>
-              <a:rPr lang="en-GB" sz="1400" b="1" dirty="0"/>
-              <a:t>[2] Brunello, G. &amp; Paola, M.D. 2014, "The costs of early school leaving in Europe", IZA Journal of </a:t>
-            </a:r>
-            <a:r>
-              <a:rPr lang="en-GB" sz="1400" b="1" dirty="0" err="1"/>
-              <a:t>Labor</a:t>
-            </a:r>
-            <a:r>
-              <a:rPr lang="en-GB" sz="1400" b="1" dirty="0"/>
-              <a:t> Policy, vol. 3, no. 1, pp. 1-31.</a:t>
-            </a:r>
-          </a:p>
-          <a:p>
-            <a:pPr algn="l"/>
-            <a:r>
-              <a:rPr lang="en-GB" sz="1400" b="1" dirty="0"/>
-              <a:t>[3] Fernandez-Gutierrez, M. &amp; Martinez, J. 2014, "THE NON-MONETARY COSTS OF EARLY SCHOOL LEAVING: ESTIMATION IN TERMS OF YEARS OF GOOD HEALTH", EDUCACION XX1, vol. 17, no. 2, pp. 241-263.</a:t>
-            </a:r>
-          </a:p>
-          <a:p>
-            <a:pPr algn="l"/>
-            <a:r>
-              <a:rPr lang="en-GB" sz="1400" b="1" dirty="0"/>
-              <a:t>[4] Meier, Y., Xu, J., </a:t>
-            </a:r>
-            <a:r>
-              <a:rPr lang="en-GB" sz="1400" b="1" dirty="0" err="1"/>
-              <a:t>Atan</a:t>
-            </a:r>
-            <a:r>
-              <a:rPr lang="en-GB" sz="1400" b="1" dirty="0"/>
-              <a:t>, O. &amp; van der </a:t>
-            </a:r>
-            <a:r>
-              <a:rPr lang="en-GB" sz="1400" b="1" dirty="0" err="1"/>
-              <a:t>Schaar</a:t>
-            </a:r>
-            <a:r>
-              <a:rPr lang="en-GB" sz="1400" b="1" dirty="0"/>
-              <a:t>, M. 2016;2015;, "Predicting Grades", IEEE Transactions on Signal Processing, vol. 64, no. 4, pp. 959-972.</a:t>
-            </a:r>
-          </a:p>
-          <a:p>
-            <a:pPr algn="l"/>
-            <a:r>
-              <a:rPr lang="en-GB" sz="1400" b="1" dirty="0"/>
-              <a:t>[5] P. Cortez and A. Silva. Using Data Mining to Predict Secondary School Student Performance. In A. Brito and J. </a:t>
-            </a:r>
-            <a:r>
-              <a:rPr lang="en-GB" sz="1400" b="1" dirty="0" err="1"/>
-              <a:t>Teixeira</a:t>
-            </a:r>
-            <a:r>
-              <a:rPr lang="en-GB" sz="1400" b="1" dirty="0"/>
-              <a:t> Eds., Proceedings of 5th </a:t>
-            </a:r>
-            <a:r>
-              <a:rPr lang="en-GB" sz="1400" b="1" dirty="0" err="1"/>
-              <a:t>FUture</a:t>
-            </a:r>
-            <a:r>
-              <a:rPr lang="en-GB" sz="1400" b="1" dirty="0"/>
-              <a:t> </a:t>
-            </a:r>
-            <a:r>
-              <a:rPr lang="en-GB" sz="1400" b="1" dirty="0" err="1"/>
-              <a:t>BUsiness</a:t>
-            </a:r>
-            <a:r>
-              <a:rPr lang="en-GB" sz="1400" b="1" dirty="0"/>
-              <a:t> </a:t>
-            </a:r>
-            <a:r>
-              <a:rPr lang="en-GB" sz="1400" b="1" dirty="0" err="1"/>
-              <a:t>TEChnology</a:t>
-            </a:r>
-            <a:r>
-              <a:rPr lang="en-GB" sz="1400" b="1" dirty="0"/>
-              <a:t> Conference (FUBUTEC 2008) pp. 5-12, Porto, Portugal, April, 2008, EUROSIS, ISBN 978-9077381-39-7.</a:t>
-            </a:r>
-            <a:endParaRPr lang="en-GB" sz="1400" b="1" dirty="0"/>
-          </a:p>
-        </p:txBody>
-      </p:sp>
-      <p:sp>
-        <p:nvSpPr>
-          <p:cNvPr id="14" name="Title 3"/>
-          <p:cNvSpPr txBox="1">
-            <a:spLocks/>
-          </p:cNvSpPr>
-          <p:nvPr/>
-        </p:nvSpPr>
-        <p:spPr>
-          <a:xfrm>
-            <a:off x="515257" y="26290584"/>
-            <a:ext cx="20127686" cy="1438725"/>
-          </a:xfrm>
-          <a:prstGeom prst="rect">
-            <a:avLst/>
-          </a:prstGeom>
-          <a:solidFill>
-            <a:schemeClr val="accent2"/>
-          </a:solidFill>
-        </p:spPr>
-        <p:txBody>
-          <a:bodyPr vert="horz" lIns="91440" tIns="45720" rIns="91440" bIns="45720" rtlCol="0" anchor="t">
-            <a:normAutofit/>
-          </a:bodyPr>
-          <a:lstStyle>
-            <a:lvl1pPr algn="ctr" defTabSz="2138324" rtl="0" eaLnBrk="1" latinLnBrk="0" hangingPunct="1">
-              <a:lnSpc>
-                <a:spcPct val="90000"/>
-              </a:lnSpc>
-              <a:spcBef>
-                <a:spcPct val="0"/>
-              </a:spcBef>
-              <a:buNone/>
-              <a:defRPr sz="14031" kern="1200">
-                <a:solidFill>
-                  <a:schemeClr val="tx1"/>
-                </a:solidFill>
-                <a:latin typeface="+mj-lt"/>
-                <a:ea typeface="+mj-ea"/>
-                <a:cs typeface="+mj-cs"/>
-              </a:defRPr>
-            </a:lvl1pPr>
-          </a:lstStyle>
-          <a:p>
-            <a:pPr algn="l"/>
-            <a:r>
-              <a:rPr lang="en-GB" sz="4400" b="1" dirty="0" smtClean="0"/>
-              <a:t>LESSONS LEARNED AND FUTURE WORK</a:t>
-            </a:r>
-            <a:endParaRPr lang="en-GB" sz="4400" b="1" dirty="0"/>
-          </a:p>
-        </p:txBody>
-      </p:sp>
-      <p:sp>
-        <p:nvSpPr>
-          <p:cNvPr id="15" name="Title 3"/>
-          <p:cNvSpPr txBox="1">
-            <a:spLocks/>
-          </p:cNvSpPr>
-          <p:nvPr/>
-        </p:nvSpPr>
-        <p:spPr>
-          <a:xfrm>
-            <a:off x="515257" y="21104098"/>
-            <a:ext cx="20127685" cy="4863882"/>
-          </a:xfrm>
-          <a:prstGeom prst="rect">
-            <a:avLst/>
-          </a:prstGeom>
-          <a:solidFill>
-            <a:schemeClr val="accent2"/>
-          </a:solidFill>
-        </p:spPr>
-        <p:txBody>
-          <a:bodyPr vert="horz" lIns="91440" tIns="45720" rIns="91440" bIns="45720" rtlCol="0" anchor="t">
-            <a:normAutofit/>
-          </a:bodyPr>
-          <a:lstStyle>
-            <a:lvl1pPr algn="ctr" defTabSz="2138324" rtl="0" eaLnBrk="1" latinLnBrk="0" hangingPunct="1">
-              <a:lnSpc>
-                <a:spcPct val="90000"/>
-              </a:lnSpc>
-              <a:spcBef>
-                <a:spcPct val="0"/>
-              </a:spcBef>
-              <a:buNone/>
-              <a:defRPr sz="14031" kern="1200">
-                <a:solidFill>
-                  <a:schemeClr val="tx1"/>
-                </a:solidFill>
-                <a:latin typeface="+mj-lt"/>
-                <a:ea typeface="+mj-ea"/>
-                <a:cs typeface="+mj-cs"/>
-              </a:defRPr>
-            </a:lvl1pPr>
-          </a:lstStyle>
-          <a:p>
-            <a:pPr algn="l"/>
-            <a:r>
-              <a:rPr lang="en-GB" sz="4400" b="1" dirty="0" smtClean="0"/>
-              <a:t>ANALYSIS AND CRITICAL EVALUATION OF RESULT</a:t>
-            </a:r>
-            <a:endParaRPr lang="en-GB" sz="4400" b="1" dirty="0"/>
+              <a:rPr lang="en-GB" sz="2400" b="1" dirty="0"/>
+              <a:t>Random Forests</a:t>
+            </a:r>
           </a:p>
         </p:txBody>
       </p:sp>
